--- a/02-data_type/00-data_type.pptx
+++ b/02-data_type/00-data_type.pptx
@@ -20,13 +20,14 @@
     <p:sldId id="278" r:id="rId14"/>
     <p:sldId id="281" r:id="rId15"/>
     <p:sldId id="285" r:id="rId16"/>
-    <p:sldId id="290" r:id="rId17"/>
-    <p:sldId id="291" r:id="rId18"/>
-    <p:sldId id="292" r:id="rId19"/>
-    <p:sldId id="283" r:id="rId20"/>
-    <p:sldId id="288" r:id="rId21"/>
-    <p:sldId id="293" r:id="rId22"/>
-    <p:sldId id="294" r:id="rId23"/>
+    <p:sldId id="295" r:id="rId17"/>
+    <p:sldId id="290" r:id="rId18"/>
+    <p:sldId id="291" r:id="rId19"/>
+    <p:sldId id="292" r:id="rId20"/>
+    <p:sldId id="283" r:id="rId21"/>
+    <p:sldId id="288" r:id="rId22"/>
+    <p:sldId id="293" r:id="rId23"/>
+    <p:sldId id="294" r:id="rId24"/>
   </p:sldIdLst>
   <p:sldSz cx="12192000" cy="6858000"/>
   <p:notesSz cx="6858000" cy="9144000"/>
@@ -280,7 +281,7 @@
           <a:p>
             <a:fld id="{79A732B7-A548-4783-8D0B-ACA8E5325239}" type="datetimeFigureOut">
               <a:rPr lang="zh-TW" altLang="en-US" smtClean="0"/>
-              <a:t>2021/8/16</a:t>
+              <a:t>2021/9/28</a:t>
             </a:fld>
             <a:endParaRPr lang="zh-TW" altLang="en-US"/>
           </a:p>
@@ -478,7 +479,7 @@
           <a:p>
             <a:fld id="{79A732B7-A548-4783-8D0B-ACA8E5325239}" type="datetimeFigureOut">
               <a:rPr lang="zh-TW" altLang="en-US" smtClean="0"/>
-              <a:t>2021/8/16</a:t>
+              <a:t>2021/9/28</a:t>
             </a:fld>
             <a:endParaRPr lang="zh-TW" altLang="en-US"/>
           </a:p>
@@ -686,7 +687,7 @@
           <a:p>
             <a:fld id="{79A732B7-A548-4783-8D0B-ACA8E5325239}" type="datetimeFigureOut">
               <a:rPr lang="zh-TW" altLang="en-US" smtClean="0"/>
-              <a:t>2021/8/16</a:t>
+              <a:t>2021/9/28</a:t>
             </a:fld>
             <a:endParaRPr lang="zh-TW" altLang="en-US"/>
           </a:p>
@@ -3106,7 +3107,7 @@
           <a:p>
             <a:fld id="{3C04E684-10F4-4CC3-A0B9-F03AA7BE37CF}" type="datetimeFigureOut">
               <a:rPr lang="en-US" smtClean="0"/>
-              <a:t>8/16/2021</a:t>
+              <a:t>9/28/2021</a:t>
             </a:fld>
             <a:endParaRPr lang="en-US"/>
           </a:p>
@@ -3843,7 +3844,7 @@
           <a:p>
             <a:fld id="{3C04E684-10F4-4CC3-A0B9-F03AA7BE37CF}" type="datetimeFigureOut">
               <a:rPr lang="en-US" smtClean="0"/>
-              <a:t>8/16/2021</a:t>
+              <a:t>9/28/2021</a:t>
             </a:fld>
             <a:endParaRPr lang="en-US"/>
           </a:p>
@@ -4485,7 +4486,7 @@
           <a:p>
             <a:fld id="{3C04E684-10F4-4CC3-A0B9-F03AA7BE37CF}" type="datetimeFigureOut">
               <a:rPr lang="en-US" smtClean="0"/>
-              <a:t>8/16/2021</a:t>
+              <a:t>9/28/2021</a:t>
             </a:fld>
             <a:endParaRPr lang="en-US"/>
           </a:p>
@@ -5285,7 +5286,7 @@
           <a:p>
             <a:fld id="{3C04E684-10F4-4CC3-A0B9-F03AA7BE37CF}" type="datetimeFigureOut">
               <a:rPr lang="en-US" smtClean="0"/>
-              <a:t>8/16/2021</a:t>
+              <a:t>9/28/2021</a:t>
             </a:fld>
             <a:endParaRPr lang="en-US"/>
           </a:p>
@@ -6236,7 +6237,7 @@
           <a:p>
             <a:fld id="{3C04E684-10F4-4CC3-A0B9-F03AA7BE37CF}" type="datetimeFigureOut">
               <a:rPr lang="en-US" smtClean="0"/>
-              <a:t>8/16/2021</a:t>
+              <a:t>9/28/2021</a:t>
             </a:fld>
             <a:endParaRPr lang="en-US"/>
           </a:p>
@@ -8585,7 +8586,7 @@
           <a:p>
             <a:fld id="{3C04E684-10F4-4CC3-A0B9-F03AA7BE37CF}" type="datetimeFigureOut">
               <a:rPr lang="en-US" smtClean="0"/>
-              <a:t>8/16/2021</a:t>
+              <a:t>9/28/2021</a:t>
             </a:fld>
             <a:endParaRPr lang="en-US"/>
           </a:p>
@@ -8698,7 +8699,7 @@
           <a:p>
             <a:fld id="{3C04E684-10F4-4CC3-A0B9-F03AA7BE37CF}" type="datetimeFigureOut">
               <a:rPr lang="en-US" smtClean="0"/>
-              <a:t>8/16/2021</a:t>
+              <a:t>9/28/2021</a:t>
             </a:fld>
             <a:endParaRPr lang="en-US"/>
           </a:p>
@@ -9205,7 +9206,7 @@
           <a:p>
             <a:fld id="{3C04E684-10F4-4CC3-A0B9-F03AA7BE37CF}" type="datetimeFigureOut">
               <a:rPr lang="en-US" smtClean="0"/>
-              <a:t>8/16/2021</a:t>
+              <a:t>9/28/2021</a:t>
             </a:fld>
             <a:endParaRPr lang="en-US"/>
           </a:p>
@@ -9403,7 +9404,7 @@
           <a:p>
             <a:fld id="{79A732B7-A548-4783-8D0B-ACA8E5325239}" type="datetimeFigureOut">
               <a:rPr lang="zh-TW" altLang="en-US" smtClean="0"/>
-              <a:t>2021/8/16</a:t>
+              <a:t>2021/9/28</a:t>
             </a:fld>
             <a:endParaRPr lang="zh-TW" altLang="en-US"/>
           </a:p>
@@ -10706,7 +10707,7 @@
           <a:p>
             <a:fld id="{3C04E684-10F4-4CC3-A0B9-F03AA7BE37CF}" type="datetimeFigureOut">
               <a:rPr lang="en-US" smtClean="0"/>
-              <a:t>8/16/2021</a:t>
+              <a:t>9/28/2021</a:t>
             </a:fld>
             <a:endParaRPr lang="en-US"/>
           </a:p>
@@ -13200,7 +13201,7 @@
           <a:p>
             <a:fld id="{3C04E684-10F4-4CC3-A0B9-F03AA7BE37CF}" type="datetimeFigureOut">
               <a:rPr lang="en-US" smtClean="0"/>
-              <a:t>8/16/2021</a:t>
+              <a:t>9/28/2021</a:t>
             </a:fld>
             <a:endParaRPr lang="en-US"/>
           </a:p>
@@ -13398,7 +13399,7 @@
           <a:p>
             <a:fld id="{3C04E684-10F4-4CC3-A0B9-F03AA7BE37CF}" type="datetimeFigureOut">
               <a:rPr lang="en-US" smtClean="0"/>
-              <a:t>8/16/2021</a:t>
+              <a:t>9/28/2021</a:t>
             </a:fld>
             <a:endParaRPr lang="en-US"/>
           </a:p>
@@ -13606,7 +13607,7 @@
           <a:p>
             <a:fld id="{3C04E684-10F4-4CC3-A0B9-F03AA7BE37CF}" type="datetimeFigureOut">
               <a:rPr lang="en-US" smtClean="0"/>
-              <a:t>8/16/2021</a:t>
+              <a:t>9/28/2021</a:t>
             </a:fld>
             <a:endParaRPr lang="en-US"/>
           </a:p>
@@ -13881,7 +13882,7 @@
           <a:p>
             <a:fld id="{79A732B7-A548-4783-8D0B-ACA8E5325239}" type="datetimeFigureOut">
               <a:rPr lang="zh-TW" altLang="en-US" smtClean="0"/>
-              <a:t>2021/8/16</a:t>
+              <a:t>2021/9/28</a:t>
             </a:fld>
             <a:endParaRPr lang="zh-TW" altLang="en-US"/>
           </a:p>
@@ -14146,7 +14147,7 @@
           <a:p>
             <a:fld id="{79A732B7-A548-4783-8D0B-ACA8E5325239}" type="datetimeFigureOut">
               <a:rPr lang="zh-TW" altLang="en-US" smtClean="0"/>
-              <a:t>2021/8/16</a:t>
+              <a:t>2021/9/28</a:t>
             </a:fld>
             <a:endParaRPr lang="zh-TW" altLang="en-US"/>
           </a:p>
@@ -14558,7 +14559,7 @@
           <a:p>
             <a:fld id="{79A732B7-A548-4783-8D0B-ACA8E5325239}" type="datetimeFigureOut">
               <a:rPr lang="zh-TW" altLang="en-US" smtClean="0"/>
-              <a:t>2021/8/16</a:t>
+              <a:t>2021/9/28</a:t>
             </a:fld>
             <a:endParaRPr lang="zh-TW" altLang="en-US"/>
           </a:p>
@@ -14699,7 +14700,7 @@
           <a:p>
             <a:fld id="{79A732B7-A548-4783-8D0B-ACA8E5325239}" type="datetimeFigureOut">
               <a:rPr lang="zh-TW" altLang="en-US" smtClean="0"/>
-              <a:t>2021/8/16</a:t>
+              <a:t>2021/9/28</a:t>
             </a:fld>
             <a:endParaRPr lang="zh-TW" altLang="en-US"/>
           </a:p>
@@ -14812,7 +14813,7 @@
           <a:p>
             <a:fld id="{79A732B7-A548-4783-8D0B-ACA8E5325239}" type="datetimeFigureOut">
               <a:rPr lang="zh-TW" altLang="en-US" smtClean="0"/>
-              <a:t>2021/8/16</a:t>
+              <a:t>2021/9/28</a:t>
             </a:fld>
             <a:endParaRPr lang="zh-TW" altLang="en-US"/>
           </a:p>
@@ -15123,7 +15124,7 @@
           <a:p>
             <a:fld id="{79A732B7-A548-4783-8D0B-ACA8E5325239}" type="datetimeFigureOut">
               <a:rPr lang="zh-TW" altLang="en-US" smtClean="0"/>
-              <a:t>2021/8/16</a:t>
+              <a:t>2021/9/28</a:t>
             </a:fld>
             <a:endParaRPr lang="zh-TW" altLang="en-US"/>
           </a:p>
@@ -15411,7 +15412,7 @@
           <a:p>
             <a:fld id="{79A732B7-A548-4783-8D0B-ACA8E5325239}" type="datetimeFigureOut">
               <a:rPr lang="zh-TW" altLang="en-US" smtClean="0"/>
-              <a:t>2021/8/16</a:t>
+              <a:t>2021/9/28</a:t>
             </a:fld>
             <a:endParaRPr lang="zh-TW" altLang="en-US"/>
           </a:p>
@@ -15652,7 +15653,7 @@
           <a:p>
             <a:fld id="{79A732B7-A548-4783-8D0B-ACA8E5325239}" type="datetimeFigureOut">
               <a:rPr lang="zh-TW" altLang="en-US" smtClean="0"/>
-              <a:t>2021/8/16</a:t>
+              <a:t>2021/9/28</a:t>
             </a:fld>
             <a:endParaRPr lang="zh-TW" altLang="en-US"/>
           </a:p>
@@ -16222,7 +16223,7 @@
           <a:p>
             <a:fld id="{3C04E684-10F4-4CC3-A0B9-F03AA7BE37CF}" type="datetimeFigureOut">
               <a:rPr lang="en-US" smtClean="0"/>
-              <a:t>8/16/2021</a:t>
+              <a:t>9/28/2021</a:t>
             </a:fld>
             <a:endParaRPr lang="en-US"/>
           </a:p>
@@ -28312,7 +28313,7 @@
           <a:p>
             <a:pPr algn="ctr"/>
             <a:r>
-              <a:rPr lang="en-US" altLang="zh-TW" sz="6400" kern="1200">
+              <a:rPr lang="en-US" altLang="zh-TW" sz="6400" kern="1200" dirty="0">
                 <a:solidFill>
                   <a:schemeClr val="tx1"/>
                 </a:solidFill>
@@ -28406,6 +28407,1911 @@
 </file>
 
 <file path=ppt/slides/slide15.xml><?xml version="1.0" encoding="utf-8"?>
+<p:sld xmlns:a="http://schemas.openxmlformats.org/drawingml/2006/main" xmlns:r="http://schemas.openxmlformats.org/officeDocument/2006/relationships" xmlns:p="http://schemas.openxmlformats.org/presentationml/2006/main">
+  <p:cSld>
+    <p:bg>
+      <p:bgPr>
+        <a:solidFill>
+          <a:schemeClr val="bg1"/>
+        </a:solidFill>
+        <a:effectLst/>
+      </p:bgPr>
+    </p:bg>
+    <p:spTree>
+      <p:nvGrpSpPr>
+        <p:cNvPr id="1" name=""/>
+        <p:cNvGrpSpPr/>
+        <p:nvPr/>
+      </p:nvGrpSpPr>
+      <p:grpSpPr>
+        <a:xfrm>
+          <a:off x="0" y="0"/>
+          <a:ext cx="0" cy="0"/>
+          <a:chOff x="0" y="0"/>
+          <a:chExt cx="0" cy="0"/>
+        </a:xfrm>
+      </p:grpSpPr>
+      <p:sp>
+        <p:nvSpPr>
+          <p:cNvPr id="13" name="Freeform: Shape 12">
+            <a:extLst>
+              <a:ext uri="{FF2B5EF4-FFF2-40B4-BE49-F238E27FC236}">
+                <a16:creationId xmlns:a16="http://schemas.microsoft.com/office/drawing/2014/main" id="{46C2E80F-49A6-4372-B103-219D417A55ED}"/>
+              </a:ext>
+              <a:ext uri="{C183D7F6-B498-43B3-948B-1728B52AA6E4}">
+                <adec:decorative xmlns:adec="http://schemas.microsoft.com/office/drawing/2017/decorative" val="1"/>
+              </a:ext>
+            </a:extLst>
+          </p:cNvPr>
+          <p:cNvSpPr>
+            <a:spLocks noGrp="1" noRot="1" noChangeAspect="1" noMove="1" noResize="1" noEditPoints="1" noAdjustHandles="1" noChangeArrowheads="1" noChangeShapeType="1" noTextEdit="1"/>
+          </p:cNvSpPr>
+          <p:nvPr>
+            <p:extLst>
+              <p:ext uri="{386F3935-93C4-4BCD-93E2-E3B085C9AB24}">
+                <p16:designElem xmlns:p16="http://schemas.microsoft.com/office/powerpoint/2015/main" val="1"/>
+              </p:ext>
+            </p:extLst>
+          </p:nvPr>
+        </p:nvSpPr>
+        <p:spPr>
+          <a:xfrm>
+            <a:off x="484096" y="470925"/>
+            <a:ext cx="4381009" cy="5892104"/>
+          </a:xfrm>
+          <a:custGeom>
+            <a:avLst/>
+            <a:gdLst>
+              <a:gd name="connsiteX0" fmla="*/ 0 w 4381009"/>
+              <a:gd name="connsiteY0" fmla="*/ 0 h 5892104"/>
+              <a:gd name="connsiteX1" fmla="*/ 4157628 w 4381009"/>
+              <a:gd name="connsiteY1" fmla="*/ 0 h 5892104"/>
+              <a:gd name="connsiteX2" fmla="*/ 4169302 w 4381009"/>
+              <a:gd name="connsiteY2" fmla="*/ 68659 h 5892104"/>
+              <a:gd name="connsiteX3" fmla="*/ 4191571 w 4381009"/>
+              <a:gd name="connsiteY3" fmla="*/ 205472 h 5892104"/>
+              <a:gd name="connsiteX4" fmla="*/ 4213368 w 4381009"/>
+              <a:gd name="connsiteY4" fmla="*/ 342890 h 5892104"/>
+              <a:gd name="connsiteX5" fmla="*/ 4232030 w 4381009"/>
+              <a:gd name="connsiteY5" fmla="*/ 480913 h 5892104"/>
+              <a:gd name="connsiteX6" fmla="*/ 4250848 w 4381009"/>
+              <a:gd name="connsiteY6" fmla="*/ 618332 h 5892104"/>
+              <a:gd name="connsiteX7" fmla="*/ 4268412 w 4381009"/>
+              <a:gd name="connsiteY7" fmla="*/ 756355 h 5892104"/>
+              <a:gd name="connsiteX8" fmla="*/ 4283467 w 4381009"/>
+              <a:gd name="connsiteY8" fmla="*/ 892563 h 5892104"/>
+              <a:gd name="connsiteX9" fmla="*/ 4297737 w 4381009"/>
+              <a:gd name="connsiteY9" fmla="*/ 1030587 h 5892104"/>
+              <a:gd name="connsiteX10" fmla="*/ 4310754 w 4381009"/>
+              <a:gd name="connsiteY10" fmla="*/ 1168005 h 5892104"/>
+              <a:gd name="connsiteX11" fmla="*/ 4322045 w 4381009"/>
+              <a:gd name="connsiteY11" fmla="*/ 1303002 h 5892104"/>
+              <a:gd name="connsiteX12" fmla="*/ 4333336 w 4381009"/>
+              <a:gd name="connsiteY12" fmla="*/ 1439815 h 5892104"/>
+              <a:gd name="connsiteX13" fmla="*/ 4342745 w 4381009"/>
+              <a:gd name="connsiteY13" fmla="*/ 1574812 h 5892104"/>
+              <a:gd name="connsiteX14" fmla="*/ 4350115 w 4381009"/>
+              <a:gd name="connsiteY14" fmla="*/ 1709808 h 5892104"/>
+              <a:gd name="connsiteX15" fmla="*/ 4357799 w 4381009"/>
+              <a:gd name="connsiteY15" fmla="*/ 1844200 h 5892104"/>
+              <a:gd name="connsiteX16" fmla="*/ 4364229 w 4381009"/>
+              <a:gd name="connsiteY16" fmla="*/ 1977381 h 5892104"/>
+              <a:gd name="connsiteX17" fmla="*/ 4368777 w 4381009"/>
+              <a:gd name="connsiteY17" fmla="*/ 2109351 h 5892104"/>
+              <a:gd name="connsiteX18" fmla="*/ 4372697 w 4381009"/>
+              <a:gd name="connsiteY18" fmla="*/ 2241321 h 5892104"/>
+              <a:gd name="connsiteX19" fmla="*/ 4376461 w 4381009"/>
+              <a:gd name="connsiteY19" fmla="*/ 2372080 h 5892104"/>
+              <a:gd name="connsiteX20" fmla="*/ 4378186 w 4381009"/>
+              <a:gd name="connsiteY20" fmla="*/ 2501023 h 5892104"/>
+              <a:gd name="connsiteX21" fmla="*/ 4380068 w 4381009"/>
+              <a:gd name="connsiteY21" fmla="*/ 2629966 h 5892104"/>
+              <a:gd name="connsiteX22" fmla="*/ 4381009 w 4381009"/>
+              <a:gd name="connsiteY22" fmla="*/ 2757093 h 5892104"/>
+              <a:gd name="connsiteX23" fmla="*/ 4380068 w 4381009"/>
+              <a:gd name="connsiteY23" fmla="*/ 2883010 h 5892104"/>
+              <a:gd name="connsiteX24" fmla="*/ 4380068 w 4381009"/>
+              <a:gd name="connsiteY24" fmla="*/ 3007715 h 5892104"/>
+              <a:gd name="connsiteX25" fmla="*/ 4378186 w 4381009"/>
+              <a:gd name="connsiteY25" fmla="*/ 3131210 h 5892104"/>
+              <a:gd name="connsiteX26" fmla="*/ 4375363 w 4381009"/>
+              <a:gd name="connsiteY26" fmla="*/ 3252283 h 5892104"/>
+              <a:gd name="connsiteX27" fmla="*/ 4372697 w 4381009"/>
+              <a:gd name="connsiteY27" fmla="*/ 3372146 h 5892104"/>
+              <a:gd name="connsiteX28" fmla="*/ 4369718 w 4381009"/>
+              <a:gd name="connsiteY28" fmla="*/ 3489587 h 5892104"/>
+              <a:gd name="connsiteX29" fmla="*/ 4365170 w 4381009"/>
+              <a:gd name="connsiteY29" fmla="*/ 3606423 h 5892104"/>
+              <a:gd name="connsiteX30" fmla="*/ 4360309 w 4381009"/>
+              <a:gd name="connsiteY30" fmla="*/ 3721443 h 5892104"/>
+              <a:gd name="connsiteX31" fmla="*/ 4355918 w 4381009"/>
+              <a:gd name="connsiteY31" fmla="*/ 3834041 h 5892104"/>
+              <a:gd name="connsiteX32" fmla="*/ 4343529 w 4381009"/>
+              <a:gd name="connsiteY32" fmla="*/ 4053789 h 5892104"/>
+              <a:gd name="connsiteX33" fmla="*/ 4330356 w 4381009"/>
+              <a:gd name="connsiteY33" fmla="*/ 4264457 h 5892104"/>
+              <a:gd name="connsiteX34" fmla="*/ 4316556 w 4381009"/>
+              <a:gd name="connsiteY34" fmla="*/ 4466650 h 5892104"/>
+              <a:gd name="connsiteX35" fmla="*/ 4301344 w 4381009"/>
+              <a:gd name="connsiteY35" fmla="*/ 4657946 h 5892104"/>
+              <a:gd name="connsiteX36" fmla="*/ 4285506 w 4381009"/>
+              <a:gd name="connsiteY36" fmla="*/ 4840767 h 5892104"/>
+              <a:gd name="connsiteX37" fmla="*/ 4268412 w 4381009"/>
+              <a:gd name="connsiteY37" fmla="*/ 5010269 h 5892104"/>
+              <a:gd name="connsiteX38" fmla="*/ 4251633 w 4381009"/>
+              <a:gd name="connsiteY38" fmla="*/ 5169481 h 5892104"/>
+              <a:gd name="connsiteX39" fmla="*/ 4234853 w 4381009"/>
+              <a:gd name="connsiteY39" fmla="*/ 5315980 h 5892104"/>
+              <a:gd name="connsiteX40" fmla="*/ 4219014 w 4381009"/>
+              <a:gd name="connsiteY40" fmla="*/ 5450371 h 5892104"/>
+              <a:gd name="connsiteX41" fmla="*/ 4203959 w 4381009"/>
+              <a:gd name="connsiteY41" fmla="*/ 5569628 h 5892104"/>
+              <a:gd name="connsiteX42" fmla="*/ 4189689 w 4381009"/>
+              <a:gd name="connsiteY42" fmla="*/ 5677384 h 5892104"/>
+              <a:gd name="connsiteX43" fmla="*/ 4177770 w 4381009"/>
+              <a:gd name="connsiteY43" fmla="*/ 5768189 h 5892104"/>
+              <a:gd name="connsiteX44" fmla="*/ 4166479 w 4381009"/>
+              <a:gd name="connsiteY44" fmla="*/ 5844465 h 5892104"/>
+              <a:gd name="connsiteX45" fmla="*/ 4159132 w 4381009"/>
+              <a:gd name="connsiteY45" fmla="*/ 5892104 h 5892104"/>
+              <a:gd name="connsiteX46" fmla="*/ 0 w 4381009"/>
+              <a:gd name="connsiteY46" fmla="*/ 5892104 h 5892104"/>
+            </a:gdLst>
+            <a:ahLst/>
+            <a:cxnLst>
+              <a:cxn ang="0">
+                <a:pos x="connsiteX0" y="connsiteY0"/>
+              </a:cxn>
+              <a:cxn ang="0">
+                <a:pos x="connsiteX1" y="connsiteY1"/>
+              </a:cxn>
+              <a:cxn ang="0">
+                <a:pos x="connsiteX2" y="connsiteY2"/>
+              </a:cxn>
+              <a:cxn ang="0">
+                <a:pos x="connsiteX3" y="connsiteY3"/>
+              </a:cxn>
+              <a:cxn ang="0">
+                <a:pos x="connsiteX4" y="connsiteY4"/>
+              </a:cxn>
+              <a:cxn ang="0">
+                <a:pos x="connsiteX5" y="connsiteY5"/>
+              </a:cxn>
+              <a:cxn ang="0">
+                <a:pos x="connsiteX6" y="connsiteY6"/>
+              </a:cxn>
+              <a:cxn ang="0">
+                <a:pos x="connsiteX7" y="connsiteY7"/>
+              </a:cxn>
+              <a:cxn ang="0">
+                <a:pos x="connsiteX8" y="connsiteY8"/>
+              </a:cxn>
+              <a:cxn ang="0">
+                <a:pos x="connsiteX9" y="connsiteY9"/>
+              </a:cxn>
+              <a:cxn ang="0">
+                <a:pos x="connsiteX10" y="connsiteY10"/>
+              </a:cxn>
+              <a:cxn ang="0">
+                <a:pos x="connsiteX11" y="connsiteY11"/>
+              </a:cxn>
+              <a:cxn ang="0">
+                <a:pos x="connsiteX12" y="connsiteY12"/>
+              </a:cxn>
+              <a:cxn ang="0">
+                <a:pos x="connsiteX13" y="connsiteY13"/>
+              </a:cxn>
+              <a:cxn ang="0">
+                <a:pos x="connsiteX14" y="connsiteY14"/>
+              </a:cxn>
+              <a:cxn ang="0">
+                <a:pos x="connsiteX15" y="connsiteY15"/>
+              </a:cxn>
+              <a:cxn ang="0">
+                <a:pos x="connsiteX16" y="connsiteY16"/>
+              </a:cxn>
+              <a:cxn ang="0">
+                <a:pos x="connsiteX17" y="connsiteY17"/>
+              </a:cxn>
+              <a:cxn ang="0">
+                <a:pos x="connsiteX18" y="connsiteY18"/>
+              </a:cxn>
+              <a:cxn ang="0">
+                <a:pos x="connsiteX19" y="connsiteY19"/>
+              </a:cxn>
+              <a:cxn ang="0">
+                <a:pos x="connsiteX20" y="connsiteY20"/>
+              </a:cxn>
+              <a:cxn ang="0">
+                <a:pos x="connsiteX21" y="connsiteY21"/>
+              </a:cxn>
+              <a:cxn ang="0">
+                <a:pos x="connsiteX22" y="connsiteY22"/>
+              </a:cxn>
+              <a:cxn ang="0">
+                <a:pos x="connsiteX23" y="connsiteY23"/>
+              </a:cxn>
+              <a:cxn ang="0">
+                <a:pos x="connsiteX24" y="connsiteY24"/>
+              </a:cxn>
+              <a:cxn ang="0">
+                <a:pos x="connsiteX25" y="connsiteY25"/>
+              </a:cxn>
+              <a:cxn ang="0">
+                <a:pos x="connsiteX26" y="connsiteY26"/>
+              </a:cxn>
+              <a:cxn ang="0">
+                <a:pos x="connsiteX27" y="connsiteY27"/>
+              </a:cxn>
+              <a:cxn ang="0">
+                <a:pos x="connsiteX28" y="connsiteY28"/>
+              </a:cxn>
+              <a:cxn ang="0">
+                <a:pos x="connsiteX29" y="connsiteY29"/>
+              </a:cxn>
+              <a:cxn ang="0">
+                <a:pos x="connsiteX30" y="connsiteY30"/>
+              </a:cxn>
+              <a:cxn ang="0">
+                <a:pos x="connsiteX31" y="connsiteY31"/>
+              </a:cxn>
+              <a:cxn ang="0">
+                <a:pos x="connsiteX32" y="connsiteY32"/>
+              </a:cxn>
+              <a:cxn ang="0">
+                <a:pos x="connsiteX33" y="connsiteY33"/>
+              </a:cxn>
+              <a:cxn ang="0">
+                <a:pos x="connsiteX34" y="connsiteY34"/>
+              </a:cxn>
+              <a:cxn ang="0">
+                <a:pos x="connsiteX35" y="connsiteY35"/>
+              </a:cxn>
+              <a:cxn ang="0">
+                <a:pos x="connsiteX36" y="connsiteY36"/>
+              </a:cxn>
+              <a:cxn ang="0">
+                <a:pos x="connsiteX37" y="connsiteY37"/>
+              </a:cxn>
+              <a:cxn ang="0">
+                <a:pos x="connsiteX38" y="connsiteY38"/>
+              </a:cxn>
+              <a:cxn ang="0">
+                <a:pos x="connsiteX39" y="connsiteY39"/>
+              </a:cxn>
+              <a:cxn ang="0">
+                <a:pos x="connsiteX40" y="connsiteY40"/>
+              </a:cxn>
+              <a:cxn ang="0">
+                <a:pos x="connsiteX41" y="connsiteY41"/>
+              </a:cxn>
+              <a:cxn ang="0">
+                <a:pos x="connsiteX42" y="connsiteY42"/>
+              </a:cxn>
+              <a:cxn ang="0">
+                <a:pos x="connsiteX43" y="connsiteY43"/>
+              </a:cxn>
+              <a:cxn ang="0">
+                <a:pos x="connsiteX44" y="connsiteY44"/>
+              </a:cxn>
+              <a:cxn ang="0">
+                <a:pos x="connsiteX45" y="connsiteY45"/>
+              </a:cxn>
+              <a:cxn ang="0">
+                <a:pos x="connsiteX46" y="connsiteY46"/>
+              </a:cxn>
+            </a:cxnLst>
+            <a:rect l="l" t="t" r="r" b="b"/>
+            <a:pathLst>
+              <a:path w="4381009" h="5892104">
+                <a:moveTo>
+                  <a:pt x="0" y="0"/>
+                </a:moveTo>
+                <a:lnTo>
+                  <a:pt x="4157628" y="0"/>
+                </a:lnTo>
+                <a:lnTo>
+                  <a:pt x="4169302" y="68659"/>
+                </a:lnTo>
+                <a:lnTo>
+                  <a:pt x="4191571" y="205472"/>
+                </a:lnTo>
+                <a:lnTo>
+                  <a:pt x="4213368" y="342890"/>
+                </a:lnTo>
+                <a:lnTo>
+                  <a:pt x="4232030" y="480913"/>
+                </a:lnTo>
+                <a:lnTo>
+                  <a:pt x="4250848" y="618332"/>
+                </a:lnTo>
+                <a:lnTo>
+                  <a:pt x="4268412" y="756355"/>
+                </a:lnTo>
+                <a:lnTo>
+                  <a:pt x="4283467" y="892563"/>
+                </a:lnTo>
+                <a:lnTo>
+                  <a:pt x="4297737" y="1030587"/>
+                </a:lnTo>
+                <a:lnTo>
+                  <a:pt x="4310754" y="1168005"/>
+                </a:lnTo>
+                <a:lnTo>
+                  <a:pt x="4322045" y="1303002"/>
+                </a:lnTo>
+                <a:lnTo>
+                  <a:pt x="4333336" y="1439815"/>
+                </a:lnTo>
+                <a:lnTo>
+                  <a:pt x="4342745" y="1574812"/>
+                </a:lnTo>
+                <a:lnTo>
+                  <a:pt x="4350115" y="1709808"/>
+                </a:lnTo>
+                <a:lnTo>
+                  <a:pt x="4357799" y="1844200"/>
+                </a:lnTo>
+                <a:lnTo>
+                  <a:pt x="4364229" y="1977381"/>
+                </a:lnTo>
+                <a:lnTo>
+                  <a:pt x="4368777" y="2109351"/>
+                </a:lnTo>
+                <a:lnTo>
+                  <a:pt x="4372697" y="2241321"/>
+                </a:lnTo>
+                <a:lnTo>
+                  <a:pt x="4376461" y="2372080"/>
+                </a:lnTo>
+                <a:lnTo>
+                  <a:pt x="4378186" y="2501023"/>
+                </a:lnTo>
+                <a:lnTo>
+                  <a:pt x="4380068" y="2629966"/>
+                </a:lnTo>
+                <a:lnTo>
+                  <a:pt x="4381009" y="2757093"/>
+                </a:lnTo>
+                <a:lnTo>
+                  <a:pt x="4380068" y="2883010"/>
+                </a:lnTo>
+                <a:lnTo>
+                  <a:pt x="4380068" y="3007715"/>
+                </a:lnTo>
+                <a:lnTo>
+                  <a:pt x="4378186" y="3131210"/>
+                </a:lnTo>
+                <a:lnTo>
+                  <a:pt x="4375363" y="3252283"/>
+                </a:lnTo>
+                <a:lnTo>
+                  <a:pt x="4372697" y="3372146"/>
+                </a:lnTo>
+                <a:lnTo>
+                  <a:pt x="4369718" y="3489587"/>
+                </a:lnTo>
+                <a:lnTo>
+                  <a:pt x="4365170" y="3606423"/>
+                </a:lnTo>
+                <a:lnTo>
+                  <a:pt x="4360309" y="3721443"/>
+                </a:lnTo>
+                <a:lnTo>
+                  <a:pt x="4355918" y="3834041"/>
+                </a:lnTo>
+                <a:lnTo>
+                  <a:pt x="4343529" y="4053789"/>
+                </a:lnTo>
+                <a:lnTo>
+                  <a:pt x="4330356" y="4264457"/>
+                </a:lnTo>
+                <a:lnTo>
+                  <a:pt x="4316556" y="4466650"/>
+                </a:lnTo>
+                <a:lnTo>
+                  <a:pt x="4301344" y="4657946"/>
+                </a:lnTo>
+                <a:lnTo>
+                  <a:pt x="4285506" y="4840767"/>
+                </a:lnTo>
+                <a:lnTo>
+                  <a:pt x="4268412" y="5010269"/>
+                </a:lnTo>
+                <a:lnTo>
+                  <a:pt x="4251633" y="5169481"/>
+                </a:lnTo>
+                <a:lnTo>
+                  <a:pt x="4234853" y="5315980"/>
+                </a:lnTo>
+                <a:lnTo>
+                  <a:pt x="4219014" y="5450371"/>
+                </a:lnTo>
+                <a:lnTo>
+                  <a:pt x="4203959" y="5569628"/>
+                </a:lnTo>
+                <a:lnTo>
+                  <a:pt x="4189689" y="5677384"/>
+                </a:lnTo>
+                <a:lnTo>
+                  <a:pt x="4177770" y="5768189"/>
+                </a:lnTo>
+                <a:lnTo>
+                  <a:pt x="4166479" y="5844465"/>
+                </a:lnTo>
+                <a:lnTo>
+                  <a:pt x="4159132" y="5892104"/>
+                </a:lnTo>
+                <a:lnTo>
+                  <a:pt x="0" y="5892104"/>
+                </a:lnTo>
+                <a:close/>
+              </a:path>
+            </a:pathLst>
+          </a:custGeom>
+          <a:solidFill>
+            <a:srgbClr val="404040"/>
+          </a:solidFill>
+          <a:ln>
+            <a:noFill/>
+          </a:ln>
+        </p:spPr>
+        <p:style>
+          <a:lnRef idx="2">
+            <a:schemeClr val="accent1">
+              <a:shade val="50000"/>
+            </a:schemeClr>
+          </a:lnRef>
+          <a:fillRef idx="1">
+            <a:schemeClr val="accent1"/>
+          </a:fillRef>
+          <a:effectRef idx="0">
+            <a:schemeClr val="accent1"/>
+          </a:effectRef>
+          <a:fontRef idx="minor">
+            <a:schemeClr val="lt1"/>
+          </a:fontRef>
+        </p:style>
+        <p:txBody>
+          <a:bodyPr wrap="square" rtlCol="0" anchor="ctr">
+            <a:noAutofit/>
+          </a:bodyPr>
+          <a:lstStyle/>
+          <a:p>
+            <a:pPr marL="0" marR="0" lvl="0" indent="0" algn="ctr" defTabSz="457200" rtl="0" eaLnBrk="1" fontAlgn="auto" latinLnBrk="0" hangingPunct="1">
+              <a:lnSpc>
+                <a:spcPct val="100000"/>
+              </a:lnSpc>
+              <a:spcBef>
+                <a:spcPts val="0"/>
+              </a:spcBef>
+              <a:spcAft>
+                <a:spcPts val="0"/>
+              </a:spcAft>
+              <a:buClrTx/>
+              <a:buSzTx/>
+              <a:buFontTx/>
+              <a:buNone/>
+              <a:tabLst/>
+              <a:defRPr/>
+            </a:pPr>
+            <a:endParaRPr kumimoji="0" lang="en-US" sz="1800" b="0" i="0" u="none" strike="noStrike" kern="1200" cap="none" spc="0" normalizeH="0" baseline="0" noProof="0">
+              <a:ln>
+                <a:noFill/>
+              </a:ln>
+              <a:solidFill>
+                <a:prstClr val="white"/>
+              </a:solidFill>
+              <a:effectLst/>
+              <a:uLnTx/>
+              <a:uFillTx/>
+              <a:latin typeface="Calibri" panose="020F0502020204030204"/>
+              <a:ea typeface="+mn-ea"/>
+              <a:cs typeface="+mn-cs"/>
+            </a:endParaRPr>
+          </a:p>
+        </p:txBody>
+      </p:sp>
+      <p:graphicFrame>
+        <p:nvGraphicFramePr>
+          <p:cNvPr id="8" name="表格 4">
+            <a:extLst>
+              <a:ext uri="{FF2B5EF4-FFF2-40B4-BE49-F238E27FC236}">
+                <a16:creationId xmlns:a16="http://schemas.microsoft.com/office/drawing/2014/main" id="{C9084896-7ED4-4BBD-8469-35D7CCD84F27}"/>
+              </a:ext>
+            </a:extLst>
+          </p:cNvPr>
+          <p:cNvGraphicFramePr>
+            <a:graphicFrameLocks/>
+          </p:cNvGraphicFramePr>
+          <p:nvPr>
+            <p:extLst>
+              <p:ext uri="{D42A27DB-BD31-4B8C-83A1-F6EECF244321}">
+                <p14:modId xmlns:p14="http://schemas.microsoft.com/office/powerpoint/2010/main" val="3934654585"/>
+              </p:ext>
+            </p:extLst>
+          </p:nvPr>
+        </p:nvGraphicFramePr>
+        <p:xfrm>
+          <a:off x="10417175" y="469900"/>
+          <a:ext cx="1290638" cy="5884857"/>
+        </p:xfrm>
+        <a:graphic>
+          <a:graphicData uri="http://schemas.openxmlformats.org/drawingml/2006/table">
+            <a:tbl>
+              <a:tblPr firstRow="1">
+                <a:tableStyleId>{21E4AEA4-8DFA-4A89-87EB-49C32662AFE0}</a:tableStyleId>
+              </a:tblPr>
+              <a:tblGrid>
+                <a:gridCol w="1290638">
+                  <a:extLst>
+                    <a:ext uri="{9D8B030D-6E8A-4147-A177-3AD203B41FA5}">
+                      <a16:colId xmlns:a16="http://schemas.microsoft.com/office/drawing/2014/main" val="2451251877"/>
+                    </a:ext>
+                  </a:extLst>
+                </a:gridCol>
+              </a:tblGrid>
+              <a:tr h="534987">
+                <a:tc>
+                  <a:txBody>
+                    <a:bodyPr/>
+                    <a:lstStyle/>
+                    <a:p>
+                      <a:pPr algn="ctr"/>
+                      <a:r>
+                        <a:rPr lang="en-US" altLang="zh-TW" sz="2400"/>
+                        <a:t>Val</a:t>
+                      </a:r>
+                      <a:endParaRPr lang="zh-TW" altLang="en-US" sz="2400"/>
+                    </a:p>
+                  </a:txBody>
+                  <a:tcPr marL="121588" marR="121588" marT="60794" marB="60794"/>
+                </a:tc>
+                <a:extLst>
+                  <a:ext uri="{0D108BD9-81ED-4DB2-BD59-A6C34878D82A}">
+                    <a16:rowId xmlns:a16="http://schemas.microsoft.com/office/drawing/2014/main" val="952927836"/>
+                  </a:ext>
+                </a:extLst>
+              </a:tr>
+              <a:tr h="534987">
+                <a:tc>
+                  <a:txBody>
+                    <a:bodyPr/>
+                    <a:lstStyle/>
+                    <a:p>
+                      <a:pPr algn="ctr"/>
+                      <a:r>
+                        <a:rPr lang="en-US" altLang="zh-TW" sz="2400"/>
+                        <a:t>0</a:t>
+                      </a:r>
+                      <a:endParaRPr lang="zh-TW" altLang="en-US" sz="2400"/>
+                    </a:p>
+                  </a:txBody>
+                  <a:tcPr marL="121588" marR="121588" marT="60794" marB="60794"/>
+                </a:tc>
+                <a:extLst>
+                  <a:ext uri="{0D108BD9-81ED-4DB2-BD59-A6C34878D82A}">
+                    <a16:rowId xmlns:a16="http://schemas.microsoft.com/office/drawing/2014/main" val="1860396722"/>
+                  </a:ext>
+                </a:extLst>
+              </a:tr>
+              <a:tr h="534987">
+                <a:tc>
+                  <a:txBody>
+                    <a:bodyPr/>
+                    <a:lstStyle/>
+                    <a:p>
+                      <a:pPr algn="ctr"/>
+                      <a:r>
+                        <a:rPr lang="en-US" altLang="zh-TW" sz="2400"/>
+                        <a:t>1</a:t>
+                      </a:r>
+                      <a:endParaRPr lang="zh-TW" altLang="en-US" sz="2400"/>
+                    </a:p>
+                  </a:txBody>
+                  <a:tcPr marL="121588" marR="121588" marT="60794" marB="60794"/>
+                </a:tc>
+                <a:extLst>
+                  <a:ext uri="{0D108BD9-81ED-4DB2-BD59-A6C34878D82A}">
+                    <a16:rowId xmlns:a16="http://schemas.microsoft.com/office/drawing/2014/main" val="3862286284"/>
+                  </a:ext>
+                </a:extLst>
+              </a:tr>
+              <a:tr h="534987">
+                <a:tc>
+                  <a:txBody>
+                    <a:bodyPr/>
+                    <a:lstStyle/>
+                    <a:p>
+                      <a:pPr algn="ctr"/>
+                      <a:r>
+                        <a:rPr lang="en-US" altLang="zh-TW" sz="2400"/>
+                        <a:t>2</a:t>
+                      </a:r>
+                      <a:endParaRPr lang="zh-TW" altLang="en-US" sz="2400"/>
+                    </a:p>
+                  </a:txBody>
+                  <a:tcPr marL="121588" marR="121588" marT="60794" marB="60794"/>
+                </a:tc>
+                <a:extLst>
+                  <a:ext uri="{0D108BD9-81ED-4DB2-BD59-A6C34878D82A}">
+                    <a16:rowId xmlns:a16="http://schemas.microsoft.com/office/drawing/2014/main" val="1809777695"/>
+                  </a:ext>
+                </a:extLst>
+              </a:tr>
+              <a:tr h="534987">
+                <a:tc>
+                  <a:txBody>
+                    <a:bodyPr/>
+                    <a:lstStyle/>
+                    <a:p>
+                      <a:pPr algn="ctr"/>
+                      <a:r>
+                        <a:rPr lang="en-US" altLang="zh-TW" sz="2400"/>
+                        <a:t>3</a:t>
+                      </a:r>
+                      <a:endParaRPr lang="zh-TW" altLang="en-US" sz="2400"/>
+                    </a:p>
+                  </a:txBody>
+                  <a:tcPr marL="121588" marR="121588" marT="60794" marB="60794"/>
+                </a:tc>
+                <a:extLst>
+                  <a:ext uri="{0D108BD9-81ED-4DB2-BD59-A6C34878D82A}">
+                    <a16:rowId xmlns:a16="http://schemas.microsoft.com/office/drawing/2014/main" val="3514974837"/>
+                  </a:ext>
+                </a:extLst>
+              </a:tr>
+              <a:tr h="534987">
+                <a:tc>
+                  <a:txBody>
+                    <a:bodyPr/>
+                    <a:lstStyle/>
+                    <a:p>
+                      <a:pPr algn="ctr"/>
+                      <a:r>
+                        <a:rPr lang="en-US" altLang="zh-TW" sz="2400"/>
+                        <a:t>4</a:t>
+                      </a:r>
+                      <a:endParaRPr lang="zh-TW" altLang="en-US" sz="2400"/>
+                    </a:p>
+                  </a:txBody>
+                  <a:tcPr marL="121588" marR="121588" marT="60794" marB="60794"/>
+                </a:tc>
+                <a:extLst>
+                  <a:ext uri="{0D108BD9-81ED-4DB2-BD59-A6C34878D82A}">
+                    <a16:rowId xmlns:a16="http://schemas.microsoft.com/office/drawing/2014/main" val="2878916489"/>
+                  </a:ext>
+                </a:extLst>
+              </a:tr>
+              <a:tr h="534987">
+                <a:tc>
+                  <a:txBody>
+                    <a:bodyPr/>
+                    <a:lstStyle/>
+                    <a:p>
+                      <a:pPr algn="ctr"/>
+                      <a:r>
+                        <a:rPr lang="en-US" altLang="zh-TW" sz="2400"/>
+                        <a:t>5</a:t>
+                      </a:r>
+                      <a:endParaRPr lang="zh-TW" altLang="en-US" sz="2400"/>
+                    </a:p>
+                  </a:txBody>
+                  <a:tcPr marL="121588" marR="121588" marT="60794" marB="60794"/>
+                </a:tc>
+                <a:extLst>
+                  <a:ext uri="{0D108BD9-81ED-4DB2-BD59-A6C34878D82A}">
+                    <a16:rowId xmlns:a16="http://schemas.microsoft.com/office/drawing/2014/main" val="2446381325"/>
+                  </a:ext>
+                </a:extLst>
+              </a:tr>
+              <a:tr h="534987">
+                <a:tc>
+                  <a:txBody>
+                    <a:bodyPr/>
+                    <a:lstStyle/>
+                    <a:p>
+                      <a:pPr algn="ctr"/>
+                      <a:r>
+                        <a:rPr lang="en-US" altLang="zh-TW" sz="2400"/>
+                        <a:t>6</a:t>
+                      </a:r>
+                      <a:endParaRPr lang="zh-TW" altLang="en-US" sz="2400"/>
+                    </a:p>
+                  </a:txBody>
+                  <a:tcPr marL="121588" marR="121588" marT="60794" marB="60794"/>
+                </a:tc>
+                <a:extLst>
+                  <a:ext uri="{0D108BD9-81ED-4DB2-BD59-A6C34878D82A}">
+                    <a16:rowId xmlns:a16="http://schemas.microsoft.com/office/drawing/2014/main" val="3702297603"/>
+                  </a:ext>
+                </a:extLst>
+              </a:tr>
+              <a:tr h="534987">
+                <a:tc>
+                  <a:txBody>
+                    <a:bodyPr/>
+                    <a:lstStyle/>
+                    <a:p>
+                      <a:pPr algn="ctr"/>
+                      <a:r>
+                        <a:rPr lang="en-US" altLang="zh-TW" sz="2400"/>
+                        <a:t>8</a:t>
+                      </a:r>
+                      <a:endParaRPr lang="zh-TW" altLang="en-US" sz="2400"/>
+                    </a:p>
+                  </a:txBody>
+                  <a:tcPr marL="121588" marR="121588" marT="60794" marB="60794"/>
+                </a:tc>
+                <a:extLst>
+                  <a:ext uri="{0D108BD9-81ED-4DB2-BD59-A6C34878D82A}">
+                    <a16:rowId xmlns:a16="http://schemas.microsoft.com/office/drawing/2014/main" val="3627806967"/>
+                  </a:ext>
+                </a:extLst>
+              </a:tr>
+              <a:tr h="534987">
+                <a:tc>
+                  <a:txBody>
+                    <a:bodyPr/>
+                    <a:lstStyle/>
+                    <a:p>
+                      <a:pPr algn="ctr"/>
+                      <a:r>
+                        <a:rPr lang="en-US" altLang="zh-TW" sz="2400"/>
+                        <a:t>15</a:t>
+                      </a:r>
+                      <a:endParaRPr lang="zh-TW" altLang="en-US" sz="2400"/>
+                    </a:p>
+                  </a:txBody>
+                  <a:tcPr marL="121588" marR="121588" marT="60794" marB="60794"/>
+                </a:tc>
+                <a:extLst>
+                  <a:ext uri="{0D108BD9-81ED-4DB2-BD59-A6C34878D82A}">
+                    <a16:rowId xmlns:a16="http://schemas.microsoft.com/office/drawing/2014/main" val="871669756"/>
+                  </a:ext>
+                </a:extLst>
+              </a:tr>
+              <a:tr h="534987">
+                <a:tc>
+                  <a:txBody>
+                    <a:bodyPr/>
+                    <a:lstStyle/>
+                    <a:p>
+                      <a:pPr algn="ctr"/>
+                      <a:r>
+                        <a:rPr lang="en-US" altLang="zh-TW" sz="2400" b="1">
+                          <a:solidFill>
+                            <a:srgbClr val="FF0000"/>
+                          </a:solidFill>
+                        </a:rPr>
+                        <a:t>0</a:t>
+                      </a:r>
+                      <a:endParaRPr lang="zh-TW" altLang="en-US" sz="2400" b="1">
+                        <a:solidFill>
+                          <a:srgbClr val="FF0000"/>
+                        </a:solidFill>
+                      </a:endParaRPr>
+                    </a:p>
+                  </a:txBody>
+                  <a:tcPr marL="121588" marR="121588" marT="60794" marB="60794"/>
+                </a:tc>
+                <a:extLst>
+                  <a:ext uri="{0D108BD9-81ED-4DB2-BD59-A6C34878D82A}">
+                    <a16:rowId xmlns:a16="http://schemas.microsoft.com/office/drawing/2014/main" val="3262855614"/>
+                  </a:ext>
+                </a:extLst>
+              </a:tr>
+            </a:tbl>
+          </a:graphicData>
+        </a:graphic>
+      </p:graphicFrame>
+      <p:sp>
+        <p:nvSpPr>
+          <p:cNvPr id="2" name="標題 1">
+            <a:extLst>
+              <a:ext uri="{FF2B5EF4-FFF2-40B4-BE49-F238E27FC236}">
+                <a16:creationId xmlns:a16="http://schemas.microsoft.com/office/drawing/2014/main" id="{A897269B-F315-4178-9E26-9C49B01E4891}"/>
+              </a:ext>
+            </a:extLst>
+          </p:cNvPr>
+          <p:cNvSpPr>
+            <a:spLocks noGrp="1"/>
+          </p:cNvSpPr>
+          <p:nvPr>
+            <p:ph type="title"/>
+          </p:nvPr>
+        </p:nvSpPr>
+        <p:spPr>
+          <a:xfrm>
+            <a:off x="863029" y="1012004"/>
+            <a:ext cx="3416158" cy="4795408"/>
+          </a:xfrm>
+        </p:spPr>
+        <p:txBody>
+          <a:bodyPr>
+            <a:normAutofit/>
+          </a:bodyPr>
+          <a:lstStyle/>
+          <a:p>
+            <a:r>
+              <a:rPr lang="en-US" altLang="zh-TW" kern="1200">
+                <a:solidFill>
+                  <a:srgbClr val="FFFFFF"/>
+                </a:solidFill>
+                <a:latin typeface="+mj-lt"/>
+                <a:ea typeface="+mj-ea"/>
+                <a:cs typeface="+mj-cs"/>
+              </a:rPr>
+              <a:t>Overflow</a:t>
+            </a:r>
+            <a:endParaRPr lang="zh-TW" altLang="en-US">
+              <a:solidFill>
+                <a:srgbClr val="FFFFFF"/>
+              </a:solidFill>
+            </a:endParaRPr>
+          </a:p>
+        </p:txBody>
+      </p:sp>
+      <p:graphicFrame>
+        <p:nvGraphicFramePr>
+          <p:cNvPr id="4" name="表格 4">
+            <a:extLst>
+              <a:ext uri="{FF2B5EF4-FFF2-40B4-BE49-F238E27FC236}">
+                <a16:creationId xmlns:a16="http://schemas.microsoft.com/office/drawing/2014/main" id="{B75D0BDA-0E91-47CD-A9CC-4A585FB705D6}"/>
+              </a:ext>
+            </a:extLst>
+          </p:cNvPr>
+          <p:cNvGraphicFramePr>
+            <a:graphicFrameLocks noGrp="1"/>
+          </p:cNvGraphicFramePr>
+          <p:nvPr>
+            <p:ph idx="1"/>
+            <p:extLst>
+              <p:ext uri="{D42A27DB-BD31-4B8C-83A1-F6EECF244321}">
+                <p14:modId xmlns:p14="http://schemas.microsoft.com/office/powerpoint/2010/main" val="4186135105"/>
+              </p:ext>
+            </p:extLst>
+          </p:nvPr>
+        </p:nvGraphicFramePr>
+        <p:xfrm>
+          <a:off x="5194300" y="469900"/>
+          <a:ext cx="5151435" cy="5884857"/>
+        </p:xfrm>
+        <a:graphic>
+          <a:graphicData uri="http://schemas.openxmlformats.org/drawingml/2006/table">
+            <a:tbl>
+              <a:tblPr firstRow="1">
+                <a:tableStyleId>{5C22544A-7EE6-4342-B048-85BDC9FD1C3A}</a:tableStyleId>
+              </a:tblPr>
+              <a:tblGrid>
+                <a:gridCol w="1030287">
+                  <a:extLst>
+                    <a:ext uri="{9D8B030D-6E8A-4147-A177-3AD203B41FA5}">
+                      <a16:colId xmlns:a16="http://schemas.microsoft.com/office/drawing/2014/main" val="2451251877"/>
+                    </a:ext>
+                  </a:extLst>
+                </a:gridCol>
+                <a:gridCol w="1030287">
+                  <a:extLst>
+                    <a:ext uri="{9D8B030D-6E8A-4147-A177-3AD203B41FA5}">
+                      <a16:colId xmlns:a16="http://schemas.microsoft.com/office/drawing/2014/main" val="4034831863"/>
+                    </a:ext>
+                  </a:extLst>
+                </a:gridCol>
+                <a:gridCol w="1030287">
+                  <a:extLst>
+                    <a:ext uri="{9D8B030D-6E8A-4147-A177-3AD203B41FA5}">
+                      <a16:colId xmlns:a16="http://schemas.microsoft.com/office/drawing/2014/main" val="1416807528"/>
+                    </a:ext>
+                  </a:extLst>
+                </a:gridCol>
+                <a:gridCol w="1030287">
+                  <a:extLst>
+                    <a:ext uri="{9D8B030D-6E8A-4147-A177-3AD203B41FA5}">
+                      <a16:colId xmlns:a16="http://schemas.microsoft.com/office/drawing/2014/main" val="1242633501"/>
+                    </a:ext>
+                  </a:extLst>
+                </a:gridCol>
+                <a:gridCol w="1030287">
+                  <a:extLst>
+                    <a:ext uri="{9D8B030D-6E8A-4147-A177-3AD203B41FA5}">
+                      <a16:colId xmlns:a16="http://schemas.microsoft.com/office/drawing/2014/main" val="46825917"/>
+                    </a:ext>
+                  </a:extLst>
+                </a:gridCol>
+              </a:tblGrid>
+              <a:tr h="534987">
+                <a:tc>
+                  <a:txBody>
+                    <a:bodyPr/>
+                    <a:lstStyle/>
+                    <a:p>
+                      <a:pPr algn="ctr"/>
+                      <a:endParaRPr lang="zh-TW" altLang="en-US" sz="2100"/>
+                    </a:p>
+                  </a:txBody>
+                  <a:tcPr marL="104343" marR="104343" marT="52172" marB="52172"/>
+                </a:tc>
+                <a:tc>
+                  <a:txBody>
+                    <a:bodyPr/>
+                    <a:lstStyle/>
+                    <a:p>
+                      <a:pPr marL="0" marR="0" lvl="0" indent="0" algn="ctr" defTabSz="914400" rtl="0" eaLnBrk="1" fontAlgn="auto" latinLnBrk="0" hangingPunct="1">
+                        <a:lnSpc>
+                          <a:spcPct val="100000"/>
+                        </a:lnSpc>
+                        <a:spcBef>
+                          <a:spcPts val="0"/>
+                        </a:spcBef>
+                        <a:spcAft>
+                          <a:spcPts val="0"/>
+                        </a:spcAft>
+                        <a:buClrTx/>
+                        <a:buSzTx/>
+                        <a:buFontTx/>
+                        <a:buNone/>
+                        <a:tabLst/>
+                        <a:defRPr/>
+                      </a:pPr>
+                      <a:r>
+                        <a:rPr lang="en-US" altLang="zh-TW" sz="2100">
+                          <a:effectLst/>
+                          <a:latin typeface="Calibri" panose="020F0502020204030204" pitchFamily="34" charset="0"/>
+                          <a:ea typeface="+mn-ea"/>
+                          <a:cs typeface="Times New Roman" panose="02020603050405020304" pitchFamily="18" charset="0"/>
+                        </a:rPr>
+                        <a:t>2</a:t>
+                      </a:r>
+                      <a:r>
+                        <a:rPr lang="en-US" altLang="zh-TW" sz="2100" baseline="30000">
+                          <a:effectLst/>
+                          <a:latin typeface="Calibri" panose="020F0502020204030204" pitchFamily="34" charset="0"/>
+                          <a:ea typeface="+mn-ea"/>
+                          <a:cs typeface="Times New Roman" panose="02020603050405020304" pitchFamily="18" charset="0"/>
+                        </a:rPr>
+                        <a:t>3</a:t>
+                      </a:r>
+                      <a:endParaRPr lang="zh-TW" altLang="en-US" sz="2100"/>
+                    </a:p>
+                  </a:txBody>
+                  <a:tcPr marL="104343" marR="104343" marT="52172" marB="52172"/>
+                </a:tc>
+                <a:tc>
+                  <a:txBody>
+                    <a:bodyPr/>
+                    <a:lstStyle/>
+                    <a:p>
+                      <a:pPr marL="0" marR="0" lvl="0" indent="0" algn="ctr" defTabSz="914400" rtl="0" eaLnBrk="1" fontAlgn="auto" latinLnBrk="0" hangingPunct="1">
+                        <a:lnSpc>
+                          <a:spcPct val="100000"/>
+                        </a:lnSpc>
+                        <a:spcBef>
+                          <a:spcPts val="0"/>
+                        </a:spcBef>
+                        <a:spcAft>
+                          <a:spcPts val="0"/>
+                        </a:spcAft>
+                        <a:buClrTx/>
+                        <a:buSzTx/>
+                        <a:buFontTx/>
+                        <a:buNone/>
+                        <a:tabLst/>
+                        <a:defRPr/>
+                      </a:pPr>
+                      <a:r>
+                        <a:rPr lang="en-US" altLang="zh-TW" sz="2100">
+                          <a:effectLst/>
+                          <a:latin typeface="Calibri" panose="020F0502020204030204" pitchFamily="34" charset="0"/>
+                          <a:ea typeface="+mn-ea"/>
+                          <a:cs typeface="Times New Roman" panose="02020603050405020304" pitchFamily="18" charset="0"/>
+                        </a:rPr>
+                        <a:t>2</a:t>
+                      </a:r>
+                      <a:r>
+                        <a:rPr lang="en-US" altLang="zh-TW" sz="2100" baseline="30000">
+                          <a:effectLst/>
+                          <a:latin typeface="Calibri" panose="020F0502020204030204" pitchFamily="34" charset="0"/>
+                          <a:ea typeface="+mn-ea"/>
+                          <a:cs typeface="Times New Roman" panose="02020603050405020304" pitchFamily="18" charset="0"/>
+                        </a:rPr>
+                        <a:t>2</a:t>
+                      </a:r>
+                      <a:endParaRPr lang="zh-TW" altLang="en-US" sz="2100"/>
+                    </a:p>
+                  </a:txBody>
+                  <a:tcPr marL="104343" marR="104343" marT="52172" marB="52172"/>
+                </a:tc>
+                <a:tc>
+                  <a:txBody>
+                    <a:bodyPr/>
+                    <a:lstStyle/>
+                    <a:p>
+                      <a:pPr marL="0" marR="0" lvl="0" indent="0" algn="ctr" defTabSz="914400" rtl="0" eaLnBrk="1" fontAlgn="auto" latinLnBrk="0" hangingPunct="1">
+                        <a:lnSpc>
+                          <a:spcPct val="100000"/>
+                        </a:lnSpc>
+                        <a:spcBef>
+                          <a:spcPts val="0"/>
+                        </a:spcBef>
+                        <a:spcAft>
+                          <a:spcPts val="0"/>
+                        </a:spcAft>
+                        <a:buClrTx/>
+                        <a:buSzTx/>
+                        <a:buFontTx/>
+                        <a:buNone/>
+                        <a:tabLst/>
+                        <a:defRPr/>
+                      </a:pPr>
+                      <a:r>
+                        <a:rPr lang="en-US" altLang="zh-TW" sz="2100">
+                          <a:effectLst/>
+                          <a:latin typeface="Calibri" panose="020F0502020204030204" pitchFamily="34" charset="0"/>
+                          <a:ea typeface="+mn-ea"/>
+                          <a:cs typeface="Times New Roman" panose="02020603050405020304" pitchFamily="18" charset="0"/>
+                        </a:rPr>
+                        <a:t>2</a:t>
+                      </a:r>
+                      <a:r>
+                        <a:rPr lang="en-US" altLang="zh-TW" sz="2100" baseline="30000">
+                          <a:effectLst/>
+                          <a:latin typeface="Calibri" panose="020F0502020204030204" pitchFamily="34" charset="0"/>
+                          <a:ea typeface="+mn-ea"/>
+                          <a:cs typeface="Times New Roman" panose="02020603050405020304" pitchFamily="18" charset="0"/>
+                        </a:rPr>
+                        <a:t>1</a:t>
+                      </a:r>
+                      <a:endParaRPr lang="zh-TW" altLang="en-US" sz="2100"/>
+                    </a:p>
+                  </a:txBody>
+                  <a:tcPr marL="104343" marR="104343" marT="52172" marB="52172"/>
+                </a:tc>
+                <a:tc>
+                  <a:txBody>
+                    <a:bodyPr/>
+                    <a:lstStyle/>
+                    <a:p>
+                      <a:pPr algn="ctr"/>
+                      <a:r>
+                        <a:rPr lang="en-US" altLang="zh-TW" sz="2100">
+                          <a:effectLst/>
+                          <a:latin typeface="Calibri" panose="020F0502020204030204" pitchFamily="34" charset="0"/>
+                          <a:ea typeface="+mn-ea"/>
+                          <a:cs typeface="Times New Roman" panose="02020603050405020304" pitchFamily="18" charset="0"/>
+                        </a:rPr>
+                        <a:t>2</a:t>
+                      </a:r>
+                      <a:r>
+                        <a:rPr lang="en-US" altLang="zh-TW" sz="2100" baseline="30000">
+                          <a:effectLst/>
+                          <a:latin typeface="Calibri" panose="020F0502020204030204" pitchFamily="34" charset="0"/>
+                          <a:ea typeface="+mn-ea"/>
+                          <a:cs typeface="Times New Roman" panose="02020603050405020304" pitchFamily="18" charset="0"/>
+                        </a:rPr>
+                        <a:t>0</a:t>
+                      </a:r>
+                      <a:endParaRPr lang="zh-TW" altLang="en-US" sz="2100"/>
+                    </a:p>
+                  </a:txBody>
+                  <a:tcPr marL="104343" marR="104343" marT="52172" marB="52172"/>
+                </a:tc>
+                <a:extLst>
+                  <a:ext uri="{0D108BD9-81ED-4DB2-BD59-A6C34878D82A}">
+                    <a16:rowId xmlns:a16="http://schemas.microsoft.com/office/drawing/2014/main" val="952927836"/>
+                  </a:ext>
+                </a:extLst>
+              </a:tr>
+              <a:tr h="534987">
+                <a:tc>
+                  <a:txBody>
+                    <a:bodyPr/>
+                    <a:lstStyle/>
+                    <a:p>
+                      <a:pPr algn="ctr"/>
+                      <a:endParaRPr lang="zh-TW" altLang="en-US" sz="2100"/>
+                    </a:p>
+                  </a:txBody>
+                  <a:tcPr marL="104343" marR="104343" marT="52172" marB="52172"/>
+                </a:tc>
+                <a:tc>
+                  <a:txBody>
+                    <a:bodyPr/>
+                    <a:lstStyle/>
+                    <a:p>
+                      <a:pPr algn="ctr"/>
+                      <a:r>
+                        <a:rPr lang="en-US" altLang="zh-TW" sz="2100"/>
+                        <a:t>0</a:t>
+                      </a:r>
+                      <a:endParaRPr lang="zh-TW" altLang="en-US" sz="2100"/>
+                    </a:p>
+                  </a:txBody>
+                  <a:tcPr marL="104343" marR="104343" marT="52172" marB="52172"/>
+                </a:tc>
+                <a:tc>
+                  <a:txBody>
+                    <a:bodyPr/>
+                    <a:lstStyle/>
+                    <a:p>
+                      <a:pPr algn="ctr"/>
+                      <a:r>
+                        <a:rPr lang="en-US" altLang="zh-TW" sz="2100"/>
+                        <a:t>0</a:t>
+                      </a:r>
+                      <a:endParaRPr lang="zh-TW" altLang="en-US" sz="2100"/>
+                    </a:p>
+                  </a:txBody>
+                  <a:tcPr marL="104343" marR="104343" marT="52172" marB="52172"/>
+                </a:tc>
+                <a:tc>
+                  <a:txBody>
+                    <a:bodyPr/>
+                    <a:lstStyle/>
+                    <a:p>
+                      <a:pPr algn="ctr"/>
+                      <a:r>
+                        <a:rPr lang="en-US" altLang="zh-TW" sz="2100"/>
+                        <a:t>0</a:t>
+                      </a:r>
+                      <a:endParaRPr lang="zh-TW" altLang="en-US" sz="2100"/>
+                    </a:p>
+                  </a:txBody>
+                  <a:tcPr marL="104343" marR="104343" marT="52172" marB="52172"/>
+                </a:tc>
+                <a:tc>
+                  <a:txBody>
+                    <a:bodyPr/>
+                    <a:lstStyle/>
+                    <a:p>
+                      <a:pPr algn="ctr"/>
+                      <a:r>
+                        <a:rPr lang="en-US" altLang="zh-TW" sz="2100"/>
+                        <a:t>0</a:t>
+                      </a:r>
+                      <a:endParaRPr lang="zh-TW" altLang="en-US" sz="2100"/>
+                    </a:p>
+                  </a:txBody>
+                  <a:tcPr marL="104343" marR="104343" marT="52172" marB="52172"/>
+                </a:tc>
+                <a:extLst>
+                  <a:ext uri="{0D108BD9-81ED-4DB2-BD59-A6C34878D82A}">
+                    <a16:rowId xmlns:a16="http://schemas.microsoft.com/office/drawing/2014/main" val="1860396722"/>
+                  </a:ext>
+                </a:extLst>
+              </a:tr>
+              <a:tr h="534987">
+                <a:tc>
+                  <a:txBody>
+                    <a:bodyPr/>
+                    <a:lstStyle/>
+                    <a:p>
+                      <a:pPr algn="ctr"/>
+                      <a:endParaRPr lang="zh-TW" altLang="en-US" sz="2100"/>
+                    </a:p>
+                  </a:txBody>
+                  <a:tcPr marL="104343" marR="104343" marT="52172" marB="52172"/>
+                </a:tc>
+                <a:tc>
+                  <a:txBody>
+                    <a:bodyPr/>
+                    <a:lstStyle/>
+                    <a:p>
+                      <a:pPr algn="ctr"/>
+                      <a:r>
+                        <a:rPr lang="en-US" altLang="zh-TW" sz="2100"/>
+                        <a:t>0</a:t>
+                      </a:r>
+                      <a:endParaRPr lang="zh-TW" altLang="en-US" sz="2100"/>
+                    </a:p>
+                  </a:txBody>
+                  <a:tcPr marL="104343" marR="104343" marT="52172" marB="52172"/>
+                </a:tc>
+                <a:tc>
+                  <a:txBody>
+                    <a:bodyPr/>
+                    <a:lstStyle/>
+                    <a:p>
+                      <a:pPr algn="ctr"/>
+                      <a:r>
+                        <a:rPr lang="en-US" altLang="zh-TW" sz="2100"/>
+                        <a:t>0</a:t>
+                      </a:r>
+                      <a:endParaRPr lang="zh-TW" altLang="en-US" sz="2100"/>
+                    </a:p>
+                  </a:txBody>
+                  <a:tcPr marL="104343" marR="104343" marT="52172" marB="52172"/>
+                </a:tc>
+                <a:tc>
+                  <a:txBody>
+                    <a:bodyPr/>
+                    <a:lstStyle/>
+                    <a:p>
+                      <a:pPr algn="ctr"/>
+                      <a:r>
+                        <a:rPr lang="en-US" altLang="zh-TW" sz="2100"/>
+                        <a:t>0</a:t>
+                      </a:r>
+                      <a:endParaRPr lang="zh-TW" altLang="en-US" sz="2100"/>
+                    </a:p>
+                  </a:txBody>
+                  <a:tcPr marL="104343" marR="104343" marT="52172" marB="52172"/>
+                </a:tc>
+                <a:tc>
+                  <a:txBody>
+                    <a:bodyPr/>
+                    <a:lstStyle/>
+                    <a:p>
+                      <a:pPr algn="ctr"/>
+                      <a:r>
+                        <a:rPr lang="en-US" altLang="zh-TW" sz="2100"/>
+                        <a:t>1</a:t>
+                      </a:r>
+                      <a:endParaRPr lang="zh-TW" altLang="en-US" sz="2100"/>
+                    </a:p>
+                  </a:txBody>
+                  <a:tcPr marL="104343" marR="104343" marT="52172" marB="52172"/>
+                </a:tc>
+                <a:extLst>
+                  <a:ext uri="{0D108BD9-81ED-4DB2-BD59-A6C34878D82A}">
+                    <a16:rowId xmlns:a16="http://schemas.microsoft.com/office/drawing/2014/main" val="3862286284"/>
+                  </a:ext>
+                </a:extLst>
+              </a:tr>
+              <a:tr h="534987">
+                <a:tc>
+                  <a:txBody>
+                    <a:bodyPr/>
+                    <a:lstStyle/>
+                    <a:p>
+                      <a:pPr algn="ctr"/>
+                      <a:endParaRPr lang="zh-TW" altLang="en-US" sz="2100"/>
+                    </a:p>
+                  </a:txBody>
+                  <a:tcPr marL="104343" marR="104343" marT="52172" marB="52172"/>
+                </a:tc>
+                <a:tc>
+                  <a:txBody>
+                    <a:bodyPr/>
+                    <a:lstStyle/>
+                    <a:p>
+                      <a:pPr algn="ctr"/>
+                      <a:r>
+                        <a:rPr lang="en-US" altLang="zh-TW" sz="2100"/>
+                        <a:t>0</a:t>
+                      </a:r>
+                      <a:endParaRPr lang="zh-TW" altLang="en-US" sz="2100"/>
+                    </a:p>
+                  </a:txBody>
+                  <a:tcPr marL="104343" marR="104343" marT="52172" marB="52172"/>
+                </a:tc>
+                <a:tc>
+                  <a:txBody>
+                    <a:bodyPr/>
+                    <a:lstStyle/>
+                    <a:p>
+                      <a:pPr algn="ctr"/>
+                      <a:r>
+                        <a:rPr lang="en-US" altLang="zh-TW" sz="2100"/>
+                        <a:t>0</a:t>
+                      </a:r>
+                      <a:endParaRPr lang="zh-TW" altLang="en-US" sz="2100"/>
+                    </a:p>
+                  </a:txBody>
+                  <a:tcPr marL="104343" marR="104343" marT="52172" marB="52172"/>
+                </a:tc>
+                <a:tc>
+                  <a:txBody>
+                    <a:bodyPr/>
+                    <a:lstStyle/>
+                    <a:p>
+                      <a:pPr algn="ctr"/>
+                      <a:r>
+                        <a:rPr lang="en-US" altLang="zh-TW" sz="2100"/>
+                        <a:t>1</a:t>
+                      </a:r>
+                      <a:endParaRPr lang="zh-TW" altLang="en-US" sz="2100"/>
+                    </a:p>
+                  </a:txBody>
+                  <a:tcPr marL="104343" marR="104343" marT="52172" marB="52172"/>
+                </a:tc>
+                <a:tc>
+                  <a:txBody>
+                    <a:bodyPr/>
+                    <a:lstStyle/>
+                    <a:p>
+                      <a:pPr algn="ctr"/>
+                      <a:r>
+                        <a:rPr lang="en-US" altLang="zh-TW" sz="2100"/>
+                        <a:t>0</a:t>
+                      </a:r>
+                      <a:endParaRPr lang="zh-TW" altLang="en-US" sz="2100"/>
+                    </a:p>
+                  </a:txBody>
+                  <a:tcPr marL="104343" marR="104343" marT="52172" marB="52172"/>
+                </a:tc>
+                <a:extLst>
+                  <a:ext uri="{0D108BD9-81ED-4DB2-BD59-A6C34878D82A}">
+                    <a16:rowId xmlns:a16="http://schemas.microsoft.com/office/drawing/2014/main" val="1809777695"/>
+                  </a:ext>
+                </a:extLst>
+              </a:tr>
+              <a:tr h="534987">
+                <a:tc>
+                  <a:txBody>
+                    <a:bodyPr/>
+                    <a:lstStyle/>
+                    <a:p>
+                      <a:pPr algn="ctr"/>
+                      <a:endParaRPr lang="zh-TW" altLang="en-US" sz="2100"/>
+                    </a:p>
+                  </a:txBody>
+                  <a:tcPr marL="104343" marR="104343" marT="52172" marB="52172"/>
+                </a:tc>
+                <a:tc>
+                  <a:txBody>
+                    <a:bodyPr/>
+                    <a:lstStyle/>
+                    <a:p>
+                      <a:pPr algn="ctr"/>
+                      <a:r>
+                        <a:rPr lang="en-US" altLang="zh-TW" sz="2100"/>
+                        <a:t>0</a:t>
+                      </a:r>
+                      <a:endParaRPr lang="zh-TW" altLang="en-US" sz="2100"/>
+                    </a:p>
+                  </a:txBody>
+                  <a:tcPr marL="104343" marR="104343" marT="52172" marB="52172"/>
+                </a:tc>
+                <a:tc>
+                  <a:txBody>
+                    <a:bodyPr/>
+                    <a:lstStyle/>
+                    <a:p>
+                      <a:pPr algn="ctr"/>
+                      <a:r>
+                        <a:rPr lang="en-US" altLang="zh-TW" sz="2100"/>
+                        <a:t>0</a:t>
+                      </a:r>
+                      <a:endParaRPr lang="zh-TW" altLang="en-US" sz="2100"/>
+                    </a:p>
+                  </a:txBody>
+                  <a:tcPr marL="104343" marR="104343" marT="52172" marB="52172"/>
+                </a:tc>
+                <a:tc>
+                  <a:txBody>
+                    <a:bodyPr/>
+                    <a:lstStyle/>
+                    <a:p>
+                      <a:pPr algn="ctr"/>
+                      <a:r>
+                        <a:rPr lang="en-US" altLang="zh-TW" sz="2100"/>
+                        <a:t>1</a:t>
+                      </a:r>
+                      <a:endParaRPr lang="zh-TW" altLang="en-US" sz="2100"/>
+                    </a:p>
+                  </a:txBody>
+                  <a:tcPr marL="104343" marR="104343" marT="52172" marB="52172"/>
+                </a:tc>
+                <a:tc>
+                  <a:txBody>
+                    <a:bodyPr/>
+                    <a:lstStyle/>
+                    <a:p>
+                      <a:pPr algn="ctr"/>
+                      <a:r>
+                        <a:rPr lang="en-US" altLang="zh-TW" sz="2100"/>
+                        <a:t>1</a:t>
+                      </a:r>
+                      <a:endParaRPr lang="zh-TW" altLang="en-US" sz="2100"/>
+                    </a:p>
+                  </a:txBody>
+                  <a:tcPr marL="104343" marR="104343" marT="52172" marB="52172"/>
+                </a:tc>
+                <a:extLst>
+                  <a:ext uri="{0D108BD9-81ED-4DB2-BD59-A6C34878D82A}">
+                    <a16:rowId xmlns:a16="http://schemas.microsoft.com/office/drawing/2014/main" val="3514974837"/>
+                  </a:ext>
+                </a:extLst>
+              </a:tr>
+              <a:tr h="534987">
+                <a:tc>
+                  <a:txBody>
+                    <a:bodyPr/>
+                    <a:lstStyle/>
+                    <a:p>
+                      <a:pPr algn="ctr"/>
+                      <a:endParaRPr lang="zh-TW" altLang="en-US" sz="2100"/>
+                    </a:p>
+                  </a:txBody>
+                  <a:tcPr marL="104343" marR="104343" marT="52172" marB="52172"/>
+                </a:tc>
+                <a:tc>
+                  <a:txBody>
+                    <a:bodyPr/>
+                    <a:lstStyle/>
+                    <a:p>
+                      <a:pPr algn="ctr"/>
+                      <a:r>
+                        <a:rPr lang="en-US" altLang="zh-TW" sz="2100"/>
+                        <a:t>0</a:t>
+                      </a:r>
+                      <a:endParaRPr lang="zh-TW" altLang="en-US" sz="2100"/>
+                    </a:p>
+                  </a:txBody>
+                  <a:tcPr marL="104343" marR="104343" marT="52172" marB="52172"/>
+                </a:tc>
+                <a:tc>
+                  <a:txBody>
+                    <a:bodyPr/>
+                    <a:lstStyle/>
+                    <a:p>
+                      <a:pPr algn="ctr"/>
+                      <a:r>
+                        <a:rPr lang="en-US" altLang="zh-TW" sz="2100"/>
+                        <a:t>1</a:t>
+                      </a:r>
+                      <a:endParaRPr lang="zh-TW" altLang="en-US" sz="2100"/>
+                    </a:p>
+                  </a:txBody>
+                  <a:tcPr marL="104343" marR="104343" marT="52172" marB="52172"/>
+                </a:tc>
+                <a:tc>
+                  <a:txBody>
+                    <a:bodyPr/>
+                    <a:lstStyle/>
+                    <a:p>
+                      <a:pPr algn="ctr"/>
+                      <a:r>
+                        <a:rPr lang="en-US" altLang="zh-TW" sz="2100"/>
+                        <a:t>0</a:t>
+                      </a:r>
+                      <a:endParaRPr lang="zh-TW" altLang="en-US" sz="2100"/>
+                    </a:p>
+                  </a:txBody>
+                  <a:tcPr marL="104343" marR="104343" marT="52172" marB="52172"/>
+                </a:tc>
+                <a:tc>
+                  <a:txBody>
+                    <a:bodyPr/>
+                    <a:lstStyle/>
+                    <a:p>
+                      <a:pPr algn="ctr"/>
+                      <a:r>
+                        <a:rPr lang="en-US" altLang="zh-TW" sz="2100"/>
+                        <a:t>0</a:t>
+                      </a:r>
+                      <a:endParaRPr lang="zh-TW" altLang="en-US" sz="2100"/>
+                    </a:p>
+                  </a:txBody>
+                  <a:tcPr marL="104343" marR="104343" marT="52172" marB="52172"/>
+                </a:tc>
+                <a:extLst>
+                  <a:ext uri="{0D108BD9-81ED-4DB2-BD59-A6C34878D82A}">
+                    <a16:rowId xmlns:a16="http://schemas.microsoft.com/office/drawing/2014/main" val="2878916489"/>
+                  </a:ext>
+                </a:extLst>
+              </a:tr>
+              <a:tr h="534987">
+                <a:tc>
+                  <a:txBody>
+                    <a:bodyPr/>
+                    <a:lstStyle/>
+                    <a:p>
+                      <a:pPr algn="ctr"/>
+                      <a:endParaRPr lang="zh-TW" altLang="en-US" sz="2100"/>
+                    </a:p>
+                  </a:txBody>
+                  <a:tcPr marL="104343" marR="104343" marT="52172" marB="52172"/>
+                </a:tc>
+                <a:tc>
+                  <a:txBody>
+                    <a:bodyPr/>
+                    <a:lstStyle/>
+                    <a:p>
+                      <a:pPr algn="ctr"/>
+                      <a:r>
+                        <a:rPr lang="en-US" altLang="zh-TW" sz="2100"/>
+                        <a:t>0</a:t>
+                      </a:r>
+                      <a:endParaRPr lang="zh-TW" altLang="en-US" sz="2100"/>
+                    </a:p>
+                  </a:txBody>
+                  <a:tcPr marL="104343" marR="104343" marT="52172" marB="52172"/>
+                </a:tc>
+                <a:tc>
+                  <a:txBody>
+                    <a:bodyPr/>
+                    <a:lstStyle/>
+                    <a:p>
+                      <a:pPr algn="ctr"/>
+                      <a:r>
+                        <a:rPr lang="en-US" altLang="zh-TW" sz="2100"/>
+                        <a:t>1</a:t>
+                      </a:r>
+                      <a:endParaRPr lang="zh-TW" altLang="en-US" sz="2100"/>
+                    </a:p>
+                  </a:txBody>
+                  <a:tcPr marL="104343" marR="104343" marT="52172" marB="52172"/>
+                </a:tc>
+                <a:tc>
+                  <a:txBody>
+                    <a:bodyPr/>
+                    <a:lstStyle/>
+                    <a:p>
+                      <a:pPr algn="ctr"/>
+                      <a:r>
+                        <a:rPr lang="en-US" altLang="zh-TW" sz="2100"/>
+                        <a:t>0</a:t>
+                      </a:r>
+                      <a:endParaRPr lang="zh-TW" altLang="en-US" sz="2100"/>
+                    </a:p>
+                  </a:txBody>
+                  <a:tcPr marL="104343" marR="104343" marT="52172" marB="52172"/>
+                </a:tc>
+                <a:tc>
+                  <a:txBody>
+                    <a:bodyPr/>
+                    <a:lstStyle/>
+                    <a:p>
+                      <a:pPr algn="ctr"/>
+                      <a:r>
+                        <a:rPr lang="en-US" altLang="zh-TW" sz="2100"/>
+                        <a:t>1</a:t>
+                      </a:r>
+                      <a:endParaRPr lang="zh-TW" altLang="en-US" sz="2100"/>
+                    </a:p>
+                  </a:txBody>
+                  <a:tcPr marL="104343" marR="104343" marT="52172" marB="52172"/>
+                </a:tc>
+                <a:extLst>
+                  <a:ext uri="{0D108BD9-81ED-4DB2-BD59-A6C34878D82A}">
+                    <a16:rowId xmlns:a16="http://schemas.microsoft.com/office/drawing/2014/main" val="2446381325"/>
+                  </a:ext>
+                </a:extLst>
+              </a:tr>
+              <a:tr h="534987">
+                <a:tc>
+                  <a:txBody>
+                    <a:bodyPr/>
+                    <a:lstStyle/>
+                    <a:p>
+                      <a:pPr algn="ctr"/>
+                      <a:endParaRPr lang="zh-TW" altLang="en-US" sz="2100"/>
+                    </a:p>
+                  </a:txBody>
+                  <a:tcPr marL="104343" marR="104343" marT="52172" marB="52172"/>
+                </a:tc>
+                <a:tc>
+                  <a:txBody>
+                    <a:bodyPr/>
+                    <a:lstStyle/>
+                    <a:p>
+                      <a:pPr algn="ctr"/>
+                      <a:r>
+                        <a:rPr lang="en-US" altLang="zh-TW" sz="2100"/>
+                        <a:t>0</a:t>
+                      </a:r>
+                      <a:endParaRPr lang="zh-TW" altLang="en-US" sz="2100"/>
+                    </a:p>
+                  </a:txBody>
+                  <a:tcPr marL="104343" marR="104343" marT="52172" marB="52172"/>
+                </a:tc>
+                <a:tc>
+                  <a:txBody>
+                    <a:bodyPr/>
+                    <a:lstStyle/>
+                    <a:p>
+                      <a:pPr algn="ctr"/>
+                      <a:r>
+                        <a:rPr lang="en-US" altLang="zh-TW" sz="2100"/>
+                        <a:t>1</a:t>
+                      </a:r>
+                      <a:endParaRPr lang="zh-TW" altLang="en-US" sz="2100"/>
+                    </a:p>
+                  </a:txBody>
+                  <a:tcPr marL="104343" marR="104343" marT="52172" marB="52172"/>
+                </a:tc>
+                <a:tc>
+                  <a:txBody>
+                    <a:bodyPr/>
+                    <a:lstStyle/>
+                    <a:p>
+                      <a:pPr algn="ctr"/>
+                      <a:r>
+                        <a:rPr lang="en-US" altLang="zh-TW" sz="2100"/>
+                        <a:t>1</a:t>
+                      </a:r>
+                      <a:endParaRPr lang="zh-TW" altLang="en-US" sz="2100"/>
+                    </a:p>
+                  </a:txBody>
+                  <a:tcPr marL="104343" marR="104343" marT="52172" marB="52172"/>
+                </a:tc>
+                <a:tc>
+                  <a:txBody>
+                    <a:bodyPr/>
+                    <a:lstStyle/>
+                    <a:p>
+                      <a:pPr algn="ctr"/>
+                      <a:r>
+                        <a:rPr lang="en-US" altLang="zh-TW" sz="2100"/>
+                        <a:t>0</a:t>
+                      </a:r>
+                      <a:endParaRPr lang="zh-TW" altLang="en-US" sz="2100"/>
+                    </a:p>
+                  </a:txBody>
+                  <a:tcPr marL="104343" marR="104343" marT="52172" marB="52172"/>
+                </a:tc>
+                <a:extLst>
+                  <a:ext uri="{0D108BD9-81ED-4DB2-BD59-A6C34878D82A}">
+                    <a16:rowId xmlns:a16="http://schemas.microsoft.com/office/drawing/2014/main" val="3702297603"/>
+                  </a:ext>
+                </a:extLst>
+              </a:tr>
+              <a:tr h="534987">
+                <a:tc>
+                  <a:txBody>
+                    <a:bodyPr/>
+                    <a:lstStyle/>
+                    <a:p>
+                      <a:pPr algn="ctr"/>
+                      <a:endParaRPr lang="zh-TW" altLang="en-US" sz="2100"/>
+                    </a:p>
+                  </a:txBody>
+                  <a:tcPr marL="104343" marR="104343" marT="52172" marB="52172"/>
+                </a:tc>
+                <a:tc>
+                  <a:txBody>
+                    <a:bodyPr/>
+                    <a:lstStyle/>
+                    <a:p>
+                      <a:pPr algn="ctr"/>
+                      <a:r>
+                        <a:rPr lang="en-US" altLang="zh-TW" sz="2100"/>
+                        <a:t>1</a:t>
+                      </a:r>
+                      <a:endParaRPr lang="zh-TW" altLang="en-US" sz="2100"/>
+                    </a:p>
+                  </a:txBody>
+                  <a:tcPr marL="104343" marR="104343" marT="52172" marB="52172"/>
+                </a:tc>
+                <a:tc>
+                  <a:txBody>
+                    <a:bodyPr/>
+                    <a:lstStyle/>
+                    <a:p>
+                      <a:pPr algn="ctr"/>
+                      <a:r>
+                        <a:rPr lang="en-US" altLang="zh-TW" sz="2100"/>
+                        <a:t>0</a:t>
+                      </a:r>
+                      <a:endParaRPr lang="zh-TW" altLang="en-US" sz="2100"/>
+                    </a:p>
+                  </a:txBody>
+                  <a:tcPr marL="104343" marR="104343" marT="52172" marB="52172"/>
+                </a:tc>
+                <a:tc>
+                  <a:txBody>
+                    <a:bodyPr/>
+                    <a:lstStyle/>
+                    <a:p>
+                      <a:pPr algn="ctr"/>
+                      <a:r>
+                        <a:rPr lang="en-US" altLang="zh-TW" sz="2100"/>
+                        <a:t>0</a:t>
+                      </a:r>
+                      <a:endParaRPr lang="zh-TW" altLang="en-US" sz="2100"/>
+                    </a:p>
+                  </a:txBody>
+                  <a:tcPr marL="104343" marR="104343" marT="52172" marB="52172"/>
+                </a:tc>
+                <a:tc>
+                  <a:txBody>
+                    <a:bodyPr/>
+                    <a:lstStyle/>
+                    <a:p>
+                      <a:pPr algn="ctr"/>
+                      <a:r>
+                        <a:rPr lang="en-US" altLang="zh-TW" sz="2100"/>
+                        <a:t>0</a:t>
+                      </a:r>
+                      <a:endParaRPr lang="zh-TW" altLang="en-US" sz="2100"/>
+                    </a:p>
+                  </a:txBody>
+                  <a:tcPr marL="104343" marR="104343" marT="52172" marB="52172"/>
+                </a:tc>
+                <a:extLst>
+                  <a:ext uri="{0D108BD9-81ED-4DB2-BD59-A6C34878D82A}">
+                    <a16:rowId xmlns:a16="http://schemas.microsoft.com/office/drawing/2014/main" val="3627806967"/>
+                  </a:ext>
+                </a:extLst>
+              </a:tr>
+              <a:tr h="534987">
+                <a:tc>
+                  <a:txBody>
+                    <a:bodyPr/>
+                    <a:lstStyle/>
+                    <a:p>
+                      <a:pPr algn="ctr"/>
+                      <a:endParaRPr lang="zh-TW" altLang="en-US" sz="2100"/>
+                    </a:p>
+                  </a:txBody>
+                  <a:tcPr marL="104343" marR="104343" marT="52172" marB="52172"/>
+                </a:tc>
+                <a:tc>
+                  <a:txBody>
+                    <a:bodyPr/>
+                    <a:lstStyle/>
+                    <a:p>
+                      <a:pPr algn="ctr"/>
+                      <a:r>
+                        <a:rPr lang="en-US" altLang="zh-TW" sz="2100"/>
+                        <a:t>1</a:t>
+                      </a:r>
+                      <a:endParaRPr lang="zh-TW" altLang="en-US" sz="2100"/>
+                    </a:p>
+                  </a:txBody>
+                  <a:tcPr marL="104343" marR="104343" marT="52172" marB="52172"/>
+                </a:tc>
+                <a:tc>
+                  <a:txBody>
+                    <a:bodyPr/>
+                    <a:lstStyle/>
+                    <a:p>
+                      <a:pPr algn="ctr"/>
+                      <a:r>
+                        <a:rPr lang="en-US" altLang="zh-TW" sz="2100"/>
+                        <a:t>1</a:t>
+                      </a:r>
+                      <a:endParaRPr lang="zh-TW" altLang="en-US" sz="2100"/>
+                    </a:p>
+                  </a:txBody>
+                  <a:tcPr marL="104343" marR="104343" marT="52172" marB="52172"/>
+                </a:tc>
+                <a:tc>
+                  <a:txBody>
+                    <a:bodyPr/>
+                    <a:lstStyle/>
+                    <a:p>
+                      <a:pPr algn="ctr"/>
+                      <a:r>
+                        <a:rPr lang="en-US" altLang="zh-TW" sz="2100"/>
+                        <a:t>1</a:t>
+                      </a:r>
+                      <a:endParaRPr lang="zh-TW" altLang="en-US" sz="2100"/>
+                    </a:p>
+                  </a:txBody>
+                  <a:tcPr marL="104343" marR="104343" marT="52172" marB="52172"/>
+                </a:tc>
+                <a:tc>
+                  <a:txBody>
+                    <a:bodyPr/>
+                    <a:lstStyle/>
+                    <a:p>
+                      <a:pPr algn="ctr"/>
+                      <a:r>
+                        <a:rPr lang="en-US" altLang="zh-TW" sz="2100"/>
+                        <a:t>1</a:t>
+                      </a:r>
+                      <a:endParaRPr lang="zh-TW" altLang="en-US" sz="2100"/>
+                    </a:p>
+                  </a:txBody>
+                  <a:tcPr marL="104343" marR="104343" marT="52172" marB="52172"/>
+                </a:tc>
+                <a:extLst>
+                  <a:ext uri="{0D108BD9-81ED-4DB2-BD59-A6C34878D82A}">
+                    <a16:rowId xmlns:a16="http://schemas.microsoft.com/office/drawing/2014/main" val="871669756"/>
+                  </a:ext>
+                </a:extLst>
+              </a:tr>
+              <a:tr h="534987">
+                <a:tc>
+                  <a:txBody>
+                    <a:bodyPr/>
+                    <a:lstStyle/>
+                    <a:p>
+                      <a:pPr algn="ctr"/>
+                      <a:r>
+                        <a:rPr lang="en-US" altLang="zh-TW" sz="2100">
+                          <a:solidFill>
+                            <a:srgbClr val="FF0000"/>
+                          </a:solidFill>
+                        </a:rPr>
+                        <a:t>1</a:t>
+                      </a:r>
+                      <a:endParaRPr lang="zh-TW" altLang="en-US" sz="2100">
+                        <a:solidFill>
+                          <a:srgbClr val="FF0000"/>
+                        </a:solidFill>
+                      </a:endParaRPr>
+                    </a:p>
+                  </a:txBody>
+                  <a:tcPr marL="104343" marR="104343" marT="52172" marB="52172"/>
+                </a:tc>
+                <a:tc>
+                  <a:txBody>
+                    <a:bodyPr/>
+                    <a:lstStyle/>
+                    <a:p>
+                      <a:pPr algn="ctr"/>
+                      <a:r>
+                        <a:rPr lang="en-US" altLang="zh-TW" sz="2100"/>
+                        <a:t>0</a:t>
+                      </a:r>
+                      <a:endParaRPr lang="zh-TW" altLang="en-US" sz="2100"/>
+                    </a:p>
+                  </a:txBody>
+                  <a:tcPr marL="104343" marR="104343" marT="52172" marB="52172"/>
+                </a:tc>
+                <a:tc>
+                  <a:txBody>
+                    <a:bodyPr/>
+                    <a:lstStyle/>
+                    <a:p>
+                      <a:pPr algn="ctr"/>
+                      <a:r>
+                        <a:rPr lang="en-US" altLang="zh-TW" sz="2100"/>
+                        <a:t>0</a:t>
+                      </a:r>
+                      <a:endParaRPr lang="zh-TW" altLang="en-US" sz="2100"/>
+                    </a:p>
+                  </a:txBody>
+                  <a:tcPr marL="104343" marR="104343" marT="52172" marB="52172"/>
+                </a:tc>
+                <a:tc>
+                  <a:txBody>
+                    <a:bodyPr/>
+                    <a:lstStyle/>
+                    <a:p>
+                      <a:pPr algn="ctr"/>
+                      <a:r>
+                        <a:rPr lang="en-US" altLang="zh-TW" sz="2100"/>
+                        <a:t>0</a:t>
+                      </a:r>
+                      <a:endParaRPr lang="zh-TW" altLang="en-US" sz="2100"/>
+                    </a:p>
+                  </a:txBody>
+                  <a:tcPr marL="104343" marR="104343" marT="52172" marB="52172"/>
+                </a:tc>
+                <a:tc>
+                  <a:txBody>
+                    <a:bodyPr/>
+                    <a:lstStyle/>
+                    <a:p>
+                      <a:pPr algn="ctr"/>
+                      <a:r>
+                        <a:rPr lang="en-US" altLang="zh-TW" sz="2100"/>
+                        <a:t>0</a:t>
+                      </a:r>
+                      <a:endParaRPr lang="zh-TW" altLang="en-US" sz="2100"/>
+                    </a:p>
+                  </a:txBody>
+                  <a:tcPr marL="104343" marR="104343" marT="52172" marB="52172"/>
+                </a:tc>
+                <a:extLst>
+                  <a:ext uri="{0D108BD9-81ED-4DB2-BD59-A6C34878D82A}">
+                    <a16:rowId xmlns:a16="http://schemas.microsoft.com/office/drawing/2014/main" val="3262855614"/>
+                  </a:ext>
+                </a:extLst>
+              </a:tr>
+            </a:tbl>
+          </a:graphicData>
+        </a:graphic>
+      </p:graphicFrame>
+    </p:spTree>
+    <p:extLst>
+      <p:ext uri="{BB962C8B-B14F-4D97-AF65-F5344CB8AC3E}">
+        <p14:creationId xmlns:p14="http://schemas.microsoft.com/office/powerpoint/2010/main" val="3852585789"/>
+      </p:ext>
+    </p:extLst>
+  </p:cSld>
+  <p:clrMapOvr>
+    <a:masterClrMapping/>
+  </p:clrMapOvr>
+</p:sld>
+</file>
+
+<file path=ppt/slides/slide16.xml><?xml version="1.0" encoding="utf-8"?>
 <p:sld xmlns:a="http://schemas.openxmlformats.org/drawingml/2006/main" xmlns:r="http://schemas.openxmlformats.org/officeDocument/2006/relationships" xmlns:p="http://schemas.openxmlformats.org/presentationml/2006/main">
   <p:cSld>
     <p:spTree>
@@ -28583,7 +30489,7 @@
 </p:sld>
 </file>
 
-<file path=ppt/slides/slide16.xml><?xml version="1.0" encoding="utf-8"?>
+<file path=ppt/slides/slide17.xml><?xml version="1.0" encoding="utf-8"?>
 <p:sld xmlns:a="http://schemas.openxmlformats.org/drawingml/2006/main" xmlns:r="http://schemas.openxmlformats.org/officeDocument/2006/relationships" xmlns:p="http://schemas.openxmlformats.org/presentationml/2006/main">
   <p:cSld>
     <p:spTree>
@@ -28750,7 +30656,7 @@
 </p:sld>
 </file>
 
-<file path=ppt/slides/slide17.xml><?xml version="1.0" encoding="utf-8"?>
+<file path=ppt/slides/slide18.xml><?xml version="1.0" encoding="utf-8"?>
 <p:sld xmlns:a="http://schemas.openxmlformats.org/drawingml/2006/main" xmlns:r="http://schemas.openxmlformats.org/officeDocument/2006/relationships" xmlns:p="http://schemas.openxmlformats.org/presentationml/2006/main">
   <p:cSld>
     <p:spTree>
@@ -28913,7 +30819,7 @@
 </p:sld>
 </file>
 
-<file path=ppt/slides/slide18.xml><?xml version="1.0" encoding="utf-8"?>
+<file path=ppt/slides/slide19.xml><?xml version="1.0" encoding="utf-8"?>
 <p:sld xmlns:a="http://schemas.openxmlformats.org/drawingml/2006/main" xmlns:r="http://schemas.openxmlformats.org/officeDocument/2006/relationships" xmlns:p="http://schemas.openxmlformats.org/presentationml/2006/main">
   <p:cSld>
     <p:spTree>
@@ -29074,7 +30980,112 @@
 </p:sld>
 </file>
 
-<file path=ppt/slides/slide19.xml><?xml version="1.0" encoding="utf-8"?>
+<file path=ppt/slides/slide2.xml><?xml version="1.0" encoding="utf-8"?>
+<p:sld xmlns:a="http://schemas.openxmlformats.org/drawingml/2006/main" xmlns:r="http://schemas.openxmlformats.org/officeDocument/2006/relationships" xmlns:p="http://schemas.openxmlformats.org/presentationml/2006/main">
+  <p:cSld>
+    <p:bg>
+      <p:bgPr>
+        <a:solidFill>
+          <a:schemeClr val="bg1"/>
+        </a:solidFill>
+        <a:effectLst/>
+      </p:bgPr>
+    </p:bg>
+    <p:spTree>
+      <p:nvGrpSpPr>
+        <p:cNvPr id="1" name=""/>
+        <p:cNvGrpSpPr/>
+        <p:nvPr/>
+      </p:nvGrpSpPr>
+      <p:grpSpPr>
+        <a:xfrm>
+          <a:off x="0" y="0"/>
+          <a:ext cx="0" cy="0"/>
+          <a:chOff x="0" y="0"/>
+          <a:chExt cx="0" cy="0"/>
+        </a:xfrm>
+      </p:grpSpPr>
+      <p:pic>
+        <p:nvPicPr>
+          <p:cNvPr id="5" name="內容版面配置區 4" descr="一張含有 桌 的圖片&#10;&#10;自動產生的描述">
+            <a:extLst>
+              <a:ext uri="{FF2B5EF4-FFF2-40B4-BE49-F238E27FC236}">
+                <a16:creationId xmlns:a16="http://schemas.microsoft.com/office/drawing/2014/main" id="{9C0E803F-B24E-479E-BF97-1446C439033B}"/>
+              </a:ext>
+            </a:extLst>
+          </p:cNvPr>
+          <p:cNvPicPr>
+            <a:picLocks noGrp="1" noChangeAspect="1"/>
+          </p:cNvPicPr>
+          <p:nvPr>
+            <p:ph idx="1"/>
+          </p:nvPr>
+        </p:nvPicPr>
+        <p:blipFill>
+          <a:blip r:embed="rId2"/>
+          <a:stretch>
+            <a:fillRect/>
+          </a:stretch>
+        </p:blipFill>
+        <p:spPr>
+          <a:xfrm>
+            <a:off x="1394677" y="643466"/>
+            <a:ext cx="9402645" cy="5571067"/>
+          </a:xfrm>
+          <a:prstGeom prst="rect">
+            <a:avLst/>
+          </a:prstGeom>
+        </p:spPr>
+      </p:pic>
+      <p:sp>
+        <p:nvSpPr>
+          <p:cNvPr id="6" name="文字方塊 5">
+            <a:extLst>
+              <a:ext uri="{FF2B5EF4-FFF2-40B4-BE49-F238E27FC236}">
+                <a16:creationId xmlns:a16="http://schemas.microsoft.com/office/drawing/2014/main" id="{A1C78A47-53D0-4E26-8C41-257461A297FA}"/>
+              </a:ext>
+            </a:extLst>
+          </p:cNvPr>
+          <p:cNvSpPr txBox="1"/>
+          <p:nvPr/>
+        </p:nvSpPr>
+        <p:spPr>
+          <a:xfrm>
+            <a:off x="0" y="6471890"/>
+            <a:ext cx="5407325" cy="369332"/>
+          </a:xfrm>
+          <a:prstGeom prst="rect">
+            <a:avLst/>
+          </a:prstGeom>
+          <a:noFill/>
+        </p:spPr>
+        <p:txBody>
+          <a:bodyPr wrap="square">
+            <a:spAutoFit/>
+          </a:bodyPr>
+          <a:lstStyle/>
+          <a:p>
+            <a:r>
+              <a:rPr lang="zh-TW" altLang="en-US" dirty="0"/>
+              <a:t>https://www.geeksforgeeks.org/c-data-types/</a:t>
+            </a:r>
+          </a:p>
+        </p:txBody>
+      </p:sp>
+    </p:spTree>
+    <p:extLst>
+      <p:ext uri="{BB962C8B-B14F-4D97-AF65-F5344CB8AC3E}">
+        <p14:creationId xmlns:p14="http://schemas.microsoft.com/office/powerpoint/2010/main" val="452154628"/>
+      </p:ext>
+    </p:extLst>
+  </p:cSld>
+  <p:clrMapOvr>
+    <a:masterClrMapping/>
+  </p:clrMapOvr>
+</p:sld>
+</file>
+
+<file path=ppt/slides/slide20.xml><?xml version="1.0" encoding="utf-8"?>
 <p:sld xmlns:a="http://schemas.openxmlformats.org/drawingml/2006/main" xmlns:r="http://schemas.openxmlformats.org/officeDocument/2006/relationships" xmlns:p="http://schemas.openxmlformats.org/presentationml/2006/main">
   <p:cSld>
     <p:bg>
@@ -32927,112 +34938,7 @@
 </p:sld>
 </file>
 
-<file path=ppt/slides/slide2.xml><?xml version="1.0" encoding="utf-8"?>
-<p:sld xmlns:a="http://schemas.openxmlformats.org/drawingml/2006/main" xmlns:r="http://schemas.openxmlformats.org/officeDocument/2006/relationships" xmlns:p="http://schemas.openxmlformats.org/presentationml/2006/main">
-  <p:cSld>
-    <p:bg>
-      <p:bgPr>
-        <a:solidFill>
-          <a:schemeClr val="bg1"/>
-        </a:solidFill>
-        <a:effectLst/>
-      </p:bgPr>
-    </p:bg>
-    <p:spTree>
-      <p:nvGrpSpPr>
-        <p:cNvPr id="1" name=""/>
-        <p:cNvGrpSpPr/>
-        <p:nvPr/>
-      </p:nvGrpSpPr>
-      <p:grpSpPr>
-        <a:xfrm>
-          <a:off x="0" y="0"/>
-          <a:ext cx="0" cy="0"/>
-          <a:chOff x="0" y="0"/>
-          <a:chExt cx="0" cy="0"/>
-        </a:xfrm>
-      </p:grpSpPr>
-      <p:pic>
-        <p:nvPicPr>
-          <p:cNvPr id="5" name="內容版面配置區 4" descr="一張含有 桌 的圖片&#10;&#10;自動產生的描述">
-            <a:extLst>
-              <a:ext uri="{FF2B5EF4-FFF2-40B4-BE49-F238E27FC236}">
-                <a16:creationId xmlns:a16="http://schemas.microsoft.com/office/drawing/2014/main" id="{9C0E803F-B24E-479E-BF97-1446C439033B}"/>
-              </a:ext>
-            </a:extLst>
-          </p:cNvPr>
-          <p:cNvPicPr>
-            <a:picLocks noGrp="1" noChangeAspect="1"/>
-          </p:cNvPicPr>
-          <p:nvPr>
-            <p:ph idx="1"/>
-          </p:nvPr>
-        </p:nvPicPr>
-        <p:blipFill>
-          <a:blip r:embed="rId2"/>
-          <a:stretch>
-            <a:fillRect/>
-          </a:stretch>
-        </p:blipFill>
-        <p:spPr>
-          <a:xfrm>
-            <a:off x="1394677" y="643466"/>
-            <a:ext cx="9402645" cy="5571067"/>
-          </a:xfrm>
-          <a:prstGeom prst="rect">
-            <a:avLst/>
-          </a:prstGeom>
-        </p:spPr>
-      </p:pic>
-      <p:sp>
-        <p:nvSpPr>
-          <p:cNvPr id="6" name="文字方塊 5">
-            <a:extLst>
-              <a:ext uri="{FF2B5EF4-FFF2-40B4-BE49-F238E27FC236}">
-                <a16:creationId xmlns:a16="http://schemas.microsoft.com/office/drawing/2014/main" id="{A1C78A47-53D0-4E26-8C41-257461A297FA}"/>
-              </a:ext>
-            </a:extLst>
-          </p:cNvPr>
-          <p:cNvSpPr txBox="1"/>
-          <p:nvPr/>
-        </p:nvSpPr>
-        <p:spPr>
-          <a:xfrm>
-            <a:off x="0" y="6471890"/>
-            <a:ext cx="5407325" cy="369332"/>
-          </a:xfrm>
-          <a:prstGeom prst="rect">
-            <a:avLst/>
-          </a:prstGeom>
-          <a:noFill/>
-        </p:spPr>
-        <p:txBody>
-          <a:bodyPr wrap="square">
-            <a:spAutoFit/>
-          </a:bodyPr>
-          <a:lstStyle/>
-          <a:p>
-            <a:r>
-              <a:rPr lang="zh-TW" altLang="en-US" dirty="0"/>
-              <a:t>https://www.geeksforgeeks.org/c-data-types/</a:t>
-            </a:r>
-          </a:p>
-        </p:txBody>
-      </p:sp>
-    </p:spTree>
-    <p:extLst>
-      <p:ext uri="{BB962C8B-B14F-4D97-AF65-F5344CB8AC3E}">
-        <p14:creationId xmlns:p14="http://schemas.microsoft.com/office/powerpoint/2010/main" val="452154628"/>
-      </p:ext>
-    </p:extLst>
-  </p:cSld>
-  <p:clrMapOvr>
-    <a:masterClrMapping/>
-  </p:clrMapOvr>
-</p:sld>
-</file>
-
-<file path=ppt/slides/slide20.xml><?xml version="1.0" encoding="utf-8"?>
+<file path=ppt/slides/slide21.xml><?xml version="1.0" encoding="utf-8"?>
 <p:sld xmlns:a="http://schemas.openxmlformats.org/drawingml/2006/main" xmlns:r="http://schemas.openxmlformats.org/officeDocument/2006/relationships" xmlns:p="http://schemas.openxmlformats.org/presentationml/2006/main">
   <p:cSld>
     <p:spTree>
@@ -33195,11 +35101,7 @@
             </a:r>
             <a:r>
               <a:rPr lang="en-US" altLang="zh-TW" dirty="0"/>
-              <a:t>&lt;double&gt;(</a:t>
-            </a:r>
-            <a:r>
-              <a:rPr lang="en-US" altLang="zh-TW"/>
-              <a:t>1)/3</a:t>
+              <a:t>&lt;double&gt;(1)/3</a:t>
             </a:r>
             <a:endParaRPr lang="zh-TW" altLang="en-US" dirty="0"/>
           </a:p>
@@ -33253,7 +35155,7 @@
 </p:sld>
 </file>
 
-<file path=ppt/slides/slide21.xml><?xml version="1.0" encoding="utf-8"?>
+<file path=ppt/slides/slide22.xml><?xml version="1.0" encoding="utf-8"?>
 <p:sld xmlns:a="http://schemas.openxmlformats.org/drawingml/2006/main" xmlns:r="http://schemas.openxmlformats.org/officeDocument/2006/relationships" xmlns:p="http://schemas.openxmlformats.org/presentationml/2006/main">
   <p:cSld>
     <p:bg>

--- a/02-data_type/00-data_type.pptx
+++ b/02-data_type/00-data_type.pptx
@@ -281,7 +281,7 @@
           <a:p>
             <a:fld id="{79A732B7-A548-4783-8D0B-ACA8E5325239}" type="datetimeFigureOut">
               <a:rPr lang="zh-TW" altLang="en-US" smtClean="0"/>
-              <a:t>2021/9/28</a:t>
+              <a:t>2021/10/1</a:t>
             </a:fld>
             <a:endParaRPr lang="zh-TW" altLang="en-US"/>
           </a:p>
@@ -479,7 +479,7 @@
           <a:p>
             <a:fld id="{79A732B7-A548-4783-8D0B-ACA8E5325239}" type="datetimeFigureOut">
               <a:rPr lang="zh-TW" altLang="en-US" smtClean="0"/>
-              <a:t>2021/9/28</a:t>
+              <a:t>2021/10/1</a:t>
             </a:fld>
             <a:endParaRPr lang="zh-TW" altLang="en-US"/>
           </a:p>
@@ -687,7 +687,7 @@
           <a:p>
             <a:fld id="{79A732B7-A548-4783-8D0B-ACA8E5325239}" type="datetimeFigureOut">
               <a:rPr lang="zh-TW" altLang="en-US" smtClean="0"/>
-              <a:t>2021/9/28</a:t>
+              <a:t>2021/10/1</a:t>
             </a:fld>
             <a:endParaRPr lang="zh-TW" altLang="en-US"/>
           </a:p>
@@ -3107,7 +3107,7 @@
           <a:p>
             <a:fld id="{3C04E684-10F4-4CC3-A0B9-F03AA7BE37CF}" type="datetimeFigureOut">
               <a:rPr lang="en-US" smtClean="0"/>
-              <a:t>9/28/2021</a:t>
+              <a:t>10/1/2021</a:t>
             </a:fld>
             <a:endParaRPr lang="en-US"/>
           </a:p>
@@ -3844,7 +3844,7 @@
           <a:p>
             <a:fld id="{3C04E684-10F4-4CC3-A0B9-F03AA7BE37CF}" type="datetimeFigureOut">
               <a:rPr lang="en-US" smtClean="0"/>
-              <a:t>9/28/2021</a:t>
+              <a:t>10/1/2021</a:t>
             </a:fld>
             <a:endParaRPr lang="en-US"/>
           </a:p>
@@ -4486,7 +4486,7 @@
           <a:p>
             <a:fld id="{3C04E684-10F4-4CC3-A0B9-F03AA7BE37CF}" type="datetimeFigureOut">
               <a:rPr lang="en-US" smtClean="0"/>
-              <a:t>9/28/2021</a:t>
+              <a:t>10/1/2021</a:t>
             </a:fld>
             <a:endParaRPr lang="en-US"/>
           </a:p>
@@ -5286,7 +5286,7 @@
           <a:p>
             <a:fld id="{3C04E684-10F4-4CC3-A0B9-F03AA7BE37CF}" type="datetimeFigureOut">
               <a:rPr lang="en-US" smtClean="0"/>
-              <a:t>9/28/2021</a:t>
+              <a:t>10/1/2021</a:t>
             </a:fld>
             <a:endParaRPr lang="en-US"/>
           </a:p>
@@ -6237,7 +6237,7 @@
           <a:p>
             <a:fld id="{3C04E684-10F4-4CC3-A0B9-F03AA7BE37CF}" type="datetimeFigureOut">
               <a:rPr lang="en-US" smtClean="0"/>
-              <a:t>9/28/2021</a:t>
+              <a:t>10/1/2021</a:t>
             </a:fld>
             <a:endParaRPr lang="en-US"/>
           </a:p>
@@ -8586,7 +8586,7 @@
           <a:p>
             <a:fld id="{3C04E684-10F4-4CC3-A0B9-F03AA7BE37CF}" type="datetimeFigureOut">
               <a:rPr lang="en-US" smtClean="0"/>
-              <a:t>9/28/2021</a:t>
+              <a:t>10/1/2021</a:t>
             </a:fld>
             <a:endParaRPr lang="en-US"/>
           </a:p>
@@ -8699,7 +8699,7 @@
           <a:p>
             <a:fld id="{3C04E684-10F4-4CC3-A0B9-F03AA7BE37CF}" type="datetimeFigureOut">
               <a:rPr lang="en-US" smtClean="0"/>
-              <a:t>9/28/2021</a:t>
+              <a:t>10/1/2021</a:t>
             </a:fld>
             <a:endParaRPr lang="en-US"/>
           </a:p>
@@ -9206,7 +9206,7 @@
           <a:p>
             <a:fld id="{3C04E684-10F4-4CC3-A0B9-F03AA7BE37CF}" type="datetimeFigureOut">
               <a:rPr lang="en-US" smtClean="0"/>
-              <a:t>9/28/2021</a:t>
+              <a:t>10/1/2021</a:t>
             </a:fld>
             <a:endParaRPr lang="en-US"/>
           </a:p>
@@ -9404,7 +9404,7 @@
           <a:p>
             <a:fld id="{79A732B7-A548-4783-8D0B-ACA8E5325239}" type="datetimeFigureOut">
               <a:rPr lang="zh-TW" altLang="en-US" smtClean="0"/>
-              <a:t>2021/9/28</a:t>
+              <a:t>2021/10/1</a:t>
             </a:fld>
             <a:endParaRPr lang="zh-TW" altLang="en-US"/>
           </a:p>
@@ -10707,7 +10707,7 @@
           <a:p>
             <a:fld id="{3C04E684-10F4-4CC3-A0B9-F03AA7BE37CF}" type="datetimeFigureOut">
               <a:rPr lang="en-US" smtClean="0"/>
-              <a:t>9/28/2021</a:t>
+              <a:t>10/1/2021</a:t>
             </a:fld>
             <a:endParaRPr lang="en-US"/>
           </a:p>
@@ -13201,7 +13201,7 @@
           <a:p>
             <a:fld id="{3C04E684-10F4-4CC3-A0B9-F03AA7BE37CF}" type="datetimeFigureOut">
               <a:rPr lang="en-US" smtClean="0"/>
-              <a:t>9/28/2021</a:t>
+              <a:t>10/1/2021</a:t>
             </a:fld>
             <a:endParaRPr lang="en-US"/>
           </a:p>
@@ -13399,7 +13399,7 @@
           <a:p>
             <a:fld id="{3C04E684-10F4-4CC3-A0B9-F03AA7BE37CF}" type="datetimeFigureOut">
               <a:rPr lang="en-US" smtClean="0"/>
-              <a:t>9/28/2021</a:t>
+              <a:t>10/1/2021</a:t>
             </a:fld>
             <a:endParaRPr lang="en-US"/>
           </a:p>
@@ -13607,7 +13607,7 @@
           <a:p>
             <a:fld id="{3C04E684-10F4-4CC3-A0B9-F03AA7BE37CF}" type="datetimeFigureOut">
               <a:rPr lang="en-US" smtClean="0"/>
-              <a:t>9/28/2021</a:t>
+              <a:t>10/1/2021</a:t>
             </a:fld>
             <a:endParaRPr lang="en-US"/>
           </a:p>
@@ -13882,7 +13882,7 @@
           <a:p>
             <a:fld id="{79A732B7-A548-4783-8D0B-ACA8E5325239}" type="datetimeFigureOut">
               <a:rPr lang="zh-TW" altLang="en-US" smtClean="0"/>
-              <a:t>2021/9/28</a:t>
+              <a:t>2021/10/1</a:t>
             </a:fld>
             <a:endParaRPr lang="zh-TW" altLang="en-US"/>
           </a:p>
@@ -14147,7 +14147,7 @@
           <a:p>
             <a:fld id="{79A732B7-A548-4783-8D0B-ACA8E5325239}" type="datetimeFigureOut">
               <a:rPr lang="zh-TW" altLang="en-US" smtClean="0"/>
-              <a:t>2021/9/28</a:t>
+              <a:t>2021/10/1</a:t>
             </a:fld>
             <a:endParaRPr lang="zh-TW" altLang="en-US"/>
           </a:p>
@@ -14559,7 +14559,7 @@
           <a:p>
             <a:fld id="{79A732B7-A548-4783-8D0B-ACA8E5325239}" type="datetimeFigureOut">
               <a:rPr lang="zh-TW" altLang="en-US" smtClean="0"/>
-              <a:t>2021/9/28</a:t>
+              <a:t>2021/10/1</a:t>
             </a:fld>
             <a:endParaRPr lang="zh-TW" altLang="en-US"/>
           </a:p>
@@ -14700,7 +14700,7 @@
           <a:p>
             <a:fld id="{79A732B7-A548-4783-8D0B-ACA8E5325239}" type="datetimeFigureOut">
               <a:rPr lang="zh-TW" altLang="en-US" smtClean="0"/>
-              <a:t>2021/9/28</a:t>
+              <a:t>2021/10/1</a:t>
             </a:fld>
             <a:endParaRPr lang="zh-TW" altLang="en-US"/>
           </a:p>
@@ -14813,7 +14813,7 @@
           <a:p>
             <a:fld id="{79A732B7-A548-4783-8D0B-ACA8E5325239}" type="datetimeFigureOut">
               <a:rPr lang="zh-TW" altLang="en-US" smtClean="0"/>
-              <a:t>2021/9/28</a:t>
+              <a:t>2021/10/1</a:t>
             </a:fld>
             <a:endParaRPr lang="zh-TW" altLang="en-US"/>
           </a:p>
@@ -15124,7 +15124,7 @@
           <a:p>
             <a:fld id="{79A732B7-A548-4783-8D0B-ACA8E5325239}" type="datetimeFigureOut">
               <a:rPr lang="zh-TW" altLang="en-US" smtClean="0"/>
-              <a:t>2021/9/28</a:t>
+              <a:t>2021/10/1</a:t>
             </a:fld>
             <a:endParaRPr lang="zh-TW" altLang="en-US"/>
           </a:p>
@@ -15412,7 +15412,7 @@
           <a:p>
             <a:fld id="{79A732B7-A548-4783-8D0B-ACA8E5325239}" type="datetimeFigureOut">
               <a:rPr lang="zh-TW" altLang="en-US" smtClean="0"/>
-              <a:t>2021/9/28</a:t>
+              <a:t>2021/10/1</a:t>
             </a:fld>
             <a:endParaRPr lang="zh-TW" altLang="en-US"/>
           </a:p>
@@ -15653,7 +15653,7 @@
           <a:p>
             <a:fld id="{79A732B7-A548-4783-8D0B-ACA8E5325239}" type="datetimeFigureOut">
               <a:rPr lang="zh-TW" altLang="en-US" smtClean="0"/>
-              <a:t>2021/9/28</a:t>
+              <a:t>2021/10/1</a:t>
             </a:fld>
             <a:endParaRPr lang="zh-TW" altLang="en-US"/>
           </a:p>
@@ -16223,7 +16223,7 @@
           <a:p>
             <a:fld id="{3C04E684-10F4-4CC3-A0B9-F03AA7BE37CF}" type="datetimeFigureOut">
               <a:rPr lang="en-US" smtClean="0"/>
-              <a:t>9/28/2021</a:t>
+              <a:t>10/1/2021</a:t>
             </a:fld>
             <a:endParaRPr lang="en-US"/>
           </a:p>
@@ -17164,10 +17164,10 @@
           <a:lstStyle/>
           <a:p>
             <a:r>
-              <a:rPr lang="en-US" altLang="zh-TW" sz="2800"/>
-              <a:t>Basic Data type</a:t>
+              <a:rPr lang="en-US" altLang="zh-TW" sz="2800" dirty="0"/>
+              <a:t>Basic Data Type</a:t>
             </a:r>
-            <a:endParaRPr lang="zh-TW" altLang="en-US" sz="2800"/>
+            <a:endParaRPr lang="zh-TW" altLang="en-US" sz="2800" dirty="0"/>
           </a:p>
         </p:txBody>
       </p:sp>
@@ -37073,7 +37073,7 @@
                   <a:schemeClr val="tx1"/>
                 </a:solidFill>
               </a:rPr>
-              <a:t>Character </a:t>
+              <a:t>Character (single quotation)</a:t>
             </a:r>
           </a:p>
           <a:p>

--- a/02-data_type/00-data_type.pptx
+++ b/02-data_type/00-data_type.pptx
@@ -281,7 +281,7 @@
           <a:p>
             <a:fld id="{79A732B7-A548-4783-8D0B-ACA8E5325239}" type="datetimeFigureOut">
               <a:rPr lang="zh-TW" altLang="en-US" smtClean="0"/>
-              <a:t>2021/10/1</a:t>
+              <a:t>2021/10/5</a:t>
             </a:fld>
             <a:endParaRPr lang="zh-TW" altLang="en-US"/>
           </a:p>
@@ -479,7 +479,7 @@
           <a:p>
             <a:fld id="{79A732B7-A548-4783-8D0B-ACA8E5325239}" type="datetimeFigureOut">
               <a:rPr lang="zh-TW" altLang="en-US" smtClean="0"/>
-              <a:t>2021/10/1</a:t>
+              <a:t>2021/10/5</a:t>
             </a:fld>
             <a:endParaRPr lang="zh-TW" altLang="en-US"/>
           </a:p>
@@ -687,7 +687,7 @@
           <a:p>
             <a:fld id="{79A732B7-A548-4783-8D0B-ACA8E5325239}" type="datetimeFigureOut">
               <a:rPr lang="zh-TW" altLang="en-US" smtClean="0"/>
-              <a:t>2021/10/1</a:t>
+              <a:t>2021/10/5</a:t>
             </a:fld>
             <a:endParaRPr lang="zh-TW" altLang="en-US"/>
           </a:p>
@@ -3107,7 +3107,7 @@
           <a:p>
             <a:fld id="{3C04E684-10F4-4CC3-A0B9-F03AA7BE37CF}" type="datetimeFigureOut">
               <a:rPr lang="en-US" smtClean="0"/>
-              <a:t>10/1/2021</a:t>
+              <a:t>10/5/2021</a:t>
             </a:fld>
             <a:endParaRPr lang="en-US"/>
           </a:p>
@@ -3844,7 +3844,7 @@
           <a:p>
             <a:fld id="{3C04E684-10F4-4CC3-A0B9-F03AA7BE37CF}" type="datetimeFigureOut">
               <a:rPr lang="en-US" smtClean="0"/>
-              <a:t>10/1/2021</a:t>
+              <a:t>10/5/2021</a:t>
             </a:fld>
             <a:endParaRPr lang="en-US"/>
           </a:p>
@@ -4486,7 +4486,7 @@
           <a:p>
             <a:fld id="{3C04E684-10F4-4CC3-A0B9-F03AA7BE37CF}" type="datetimeFigureOut">
               <a:rPr lang="en-US" smtClean="0"/>
-              <a:t>10/1/2021</a:t>
+              <a:t>10/5/2021</a:t>
             </a:fld>
             <a:endParaRPr lang="en-US"/>
           </a:p>
@@ -5286,7 +5286,7 @@
           <a:p>
             <a:fld id="{3C04E684-10F4-4CC3-A0B9-F03AA7BE37CF}" type="datetimeFigureOut">
               <a:rPr lang="en-US" smtClean="0"/>
-              <a:t>10/1/2021</a:t>
+              <a:t>10/5/2021</a:t>
             </a:fld>
             <a:endParaRPr lang="en-US"/>
           </a:p>
@@ -6237,7 +6237,7 @@
           <a:p>
             <a:fld id="{3C04E684-10F4-4CC3-A0B9-F03AA7BE37CF}" type="datetimeFigureOut">
               <a:rPr lang="en-US" smtClean="0"/>
-              <a:t>10/1/2021</a:t>
+              <a:t>10/5/2021</a:t>
             </a:fld>
             <a:endParaRPr lang="en-US"/>
           </a:p>
@@ -8586,7 +8586,7 @@
           <a:p>
             <a:fld id="{3C04E684-10F4-4CC3-A0B9-F03AA7BE37CF}" type="datetimeFigureOut">
               <a:rPr lang="en-US" smtClean="0"/>
-              <a:t>10/1/2021</a:t>
+              <a:t>10/5/2021</a:t>
             </a:fld>
             <a:endParaRPr lang="en-US"/>
           </a:p>
@@ -8699,7 +8699,7 @@
           <a:p>
             <a:fld id="{3C04E684-10F4-4CC3-A0B9-F03AA7BE37CF}" type="datetimeFigureOut">
               <a:rPr lang="en-US" smtClean="0"/>
-              <a:t>10/1/2021</a:t>
+              <a:t>10/5/2021</a:t>
             </a:fld>
             <a:endParaRPr lang="en-US"/>
           </a:p>
@@ -9206,7 +9206,7 @@
           <a:p>
             <a:fld id="{3C04E684-10F4-4CC3-A0B9-F03AA7BE37CF}" type="datetimeFigureOut">
               <a:rPr lang="en-US" smtClean="0"/>
-              <a:t>10/1/2021</a:t>
+              <a:t>10/5/2021</a:t>
             </a:fld>
             <a:endParaRPr lang="en-US"/>
           </a:p>
@@ -9404,7 +9404,7 @@
           <a:p>
             <a:fld id="{79A732B7-A548-4783-8D0B-ACA8E5325239}" type="datetimeFigureOut">
               <a:rPr lang="zh-TW" altLang="en-US" smtClean="0"/>
-              <a:t>2021/10/1</a:t>
+              <a:t>2021/10/5</a:t>
             </a:fld>
             <a:endParaRPr lang="zh-TW" altLang="en-US"/>
           </a:p>
@@ -10707,7 +10707,7 @@
           <a:p>
             <a:fld id="{3C04E684-10F4-4CC3-A0B9-F03AA7BE37CF}" type="datetimeFigureOut">
               <a:rPr lang="en-US" smtClean="0"/>
-              <a:t>10/1/2021</a:t>
+              <a:t>10/5/2021</a:t>
             </a:fld>
             <a:endParaRPr lang="en-US"/>
           </a:p>
@@ -13201,7 +13201,7 @@
           <a:p>
             <a:fld id="{3C04E684-10F4-4CC3-A0B9-F03AA7BE37CF}" type="datetimeFigureOut">
               <a:rPr lang="en-US" smtClean="0"/>
-              <a:t>10/1/2021</a:t>
+              <a:t>10/5/2021</a:t>
             </a:fld>
             <a:endParaRPr lang="en-US"/>
           </a:p>
@@ -13399,7 +13399,7 @@
           <a:p>
             <a:fld id="{3C04E684-10F4-4CC3-A0B9-F03AA7BE37CF}" type="datetimeFigureOut">
               <a:rPr lang="en-US" smtClean="0"/>
-              <a:t>10/1/2021</a:t>
+              <a:t>10/5/2021</a:t>
             </a:fld>
             <a:endParaRPr lang="en-US"/>
           </a:p>
@@ -13607,7 +13607,7 @@
           <a:p>
             <a:fld id="{3C04E684-10F4-4CC3-A0B9-F03AA7BE37CF}" type="datetimeFigureOut">
               <a:rPr lang="en-US" smtClean="0"/>
-              <a:t>10/1/2021</a:t>
+              <a:t>10/5/2021</a:t>
             </a:fld>
             <a:endParaRPr lang="en-US"/>
           </a:p>
@@ -13882,7 +13882,7 @@
           <a:p>
             <a:fld id="{79A732B7-A548-4783-8D0B-ACA8E5325239}" type="datetimeFigureOut">
               <a:rPr lang="zh-TW" altLang="en-US" smtClean="0"/>
-              <a:t>2021/10/1</a:t>
+              <a:t>2021/10/5</a:t>
             </a:fld>
             <a:endParaRPr lang="zh-TW" altLang="en-US"/>
           </a:p>
@@ -14147,7 +14147,7 @@
           <a:p>
             <a:fld id="{79A732B7-A548-4783-8D0B-ACA8E5325239}" type="datetimeFigureOut">
               <a:rPr lang="zh-TW" altLang="en-US" smtClean="0"/>
-              <a:t>2021/10/1</a:t>
+              <a:t>2021/10/5</a:t>
             </a:fld>
             <a:endParaRPr lang="zh-TW" altLang="en-US"/>
           </a:p>
@@ -14559,7 +14559,7 @@
           <a:p>
             <a:fld id="{79A732B7-A548-4783-8D0B-ACA8E5325239}" type="datetimeFigureOut">
               <a:rPr lang="zh-TW" altLang="en-US" smtClean="0"/>
-              <a:t>2021/10/1</a:t>
+              <a:t>2021/10/5</a:t>
             </a:fld>
             <a:endParaRPr lang="zh-TW" altLang="en-US"/>
           </a:p>
@@ -14700,7 +14700,7 @@
           <a:p>
             <a:fld id="{79A732B7-A548-4783-8D0B-ACA8E5325239}" type="datetimeFigureOut">
               <a:rPr lang="zh-TW" altLang="en-US" smtClean="0"/>
-              <a:t>2021/10/1</a:t>
+              <a:t>2021/10/5</a:t>
             </a:fld>
             <a:endParaRPr lang="zh-TW" altLang="en-US"/>
           </a:p>
@@ -14813,7 +14813,7 @@
           <a:p>
             <a:fld id="{79A732B7-A548-4783-8D0B-ACA8E5325239}" type="datetimeFigureOut">
               <a:rPr lang="zh-TW" altLang="en-US" smtClean="0"/>
-              <a:t>2021/10/1</a:t>
+              <a:t>2021/10/5</a:t>
             </a:fld>
             <a:endParaRPr lang="zh-TW" altLang="en-US"/>
           </a:p>
@@ -15124,7 +15124,7 @@
           <a:p>
             <a:fld id="{79A732B7-A548-4783-8D0B-ACA8E5325239}" type="datetimeFigureOut">
               <a:rPr lang="zh-TW" altLang="en-US" smtClean="0"/>
-              <a:t>2021/10/1</a:t>
+              <a:t>2021/10/5</a:t>
             </a:fld>
             <a:endParaRPr lang="zh-TW" altLang="en-US"/>
           </a:p>
@@ -15412,7 +15412,7 @@
           <a:p>
             <a:fld id="{79A732B7-A548-4783-8D0B-ACA8E5325239}" type="datetimeFigureOut">
               <a:rPr lang="zh-TW" altLang="en-US" smtClean="0"/>
-              <a:t>2021/10/1</a:t>
+              <a:t>2021/10/5</a:t>
             </a:fld>
             <a:endParaRPr lang="zh-TW" altLang="en-US"/>
           </a:p>
@@ -15653,7 +15653,7 @@
           <a:p>
             <a:fld id="{79A732B7-A548-4783-8D0B-ACA8E5325239}" type="datetimeFigureOut">
               <a:rPr lang="zh-TW" altLang="en-US" smtClean="0"/>
-              <a:t>2021/10/1</a:t>
+              <a:t>2021/10/5</a:t>
             </a:fld>
             <a:endParaRPr lang="zh-TW" altLang="en-US"/>
           </a:p>
@@ -16223,7 +16223,7 @@
           <a:p>
             <a:fld id="{3C04E684-10F4-4CC3-A0B9-F03AA7BE37CF}" type="datetimeFigureOut">
               <a:rPr lang="en-US" smtClean="0"/>
-              <a:t>10/1/2021</a:t>
+              <a:t>10/5/2021</a:t>
             </a:fld>
             <a:endParaRPr lang="en-US"/>
           </a:p>
@@ -35090,20 +35090,135 @@
           </a:p>
           <a:p>
             <a:r>
-              <a:rPr lang="en-US" altLang="zh-TW" dirty="0"/>
-              <a:t>double(1)/3</a:t>
+              <a:rPr lang="en-US" altLang="zh-TW" b="0" dirty="0">
+                <a:solidFill>
+                  <a:srgbClr val="0000FF"/>
+                </a:solidFill>
+                <a:effectLst/>
+                <a:latin typeface="Consolas" panose="020B0609020204030204" pitchFamily="49" charset="0"/>
+              </a:rPr>
+              <a:t>double</a:t>
             </a:r>
+            <a:r>
+              <a:rPr lang="en-US" altLang="zh-TW" b="0" dirty="0">
+                <a:solidFill>
+                  <a:srgbClr val="000000"/>
+                </a:solidFill>
+                <a:effectLst/>
+                <a:latin typeface="Consolas" panose="020B0609020204030204" pitchFamily="49" charset="0"/>
+              </a:rPr>
+              <a:t>(</a:t>
+            </a:r>
+            <a:r>
+              <a:rPr lang="en-US" altLang="zh-TW" b="0" dirty="0">
+                <a:solidFill>
+                  <a:srgbClr val="098658"/>
+                </a:solidFill>
+                <a:effectLst/>
+                <a:latin typeface="Consolas" panose="020B0609020204030204" pitchFamily="49" charset="0"/>
+              </a:rPr>
+              <a:t>1</a:t>
+            </a:r>
+            <a:r>
+              <a:rPr lang="en-US" altLang="zh-TW" b="0" dirty="0">
+                <a:solidFill>
+                  <a:srgbClr val="000000"/>
+                </a:solidFill>
+                <a:effectLst/>
+                <a:latin typeface="Consolas" panose="020B0609020204030204" pitchFamily="49" charset="0"/>
+              </a:rPr>
+              <a:t>)/</a:t>
+            </a:r>
+            <a:r>
+              <a:rPr lang="en-US" altLang="zh-TW" b="0" dirty="0">
+                <a:solidFill>
+                  <a:srgbClr val="098658"/>
+                </a:solidFill>
+                <a:effectLst/>
+                <a:latin typeface="Consolas" panose="020B0609020204030204" pitchFamily="49" charset="0"/>
+              </a:rPr>
+              <a:t>3</a:t>
+            </a:r>
+            <a:endParaRPr lang="en-US" altLang="zh-TW" dirty="0"/>
           </a:p>
           <a:p>
             <a:r>
-              <a:rPr lang="en-US" altLang="zh-TW" dirty="0" err="1"/>
+              <a:rPr lang="en-US" altLang="zh-TW" b="0" dirty="0" err="1">
+                <a:solidFill>
+                  <a:srgbClr val="0000FF"/>
+                </a:solidFill>
+                <a:effectLst/>
+                <a:latin typeface="Consolas" panose="020B0609020204030204" pitchFamily="49" charset="0"/>
+              </a:rPr>
               <a:t>static_cast</a:t>
             </a:r>
             <a:r>
-              <a:rPr lang="en-US" altLang="zh-TW" dirty="0"/>
-              <a:t>&lt;double&gt;(1)/3</a:t>
+              <a:rPr lang="en-US" altLang="zh-TW" b="0" dirty="0">
+                <a:solidFill>
+                  <a:srgbClr val="000000"/>
+                </a:solidFill>
+                <a:effectLst/>
+                <a:latin typeface="Consolas" panose="020B0609020204030204" pitchFamily="49" charset="0"/>
+              </a:rPr>
+              <a:t>&lt;</a:t>
             </a:r>
-            <a:endParaRPr lang="zh-TW" altLang="en-US" dirty="0"/>
+            <a:r>
+              <a:rPr lang="en-US" altLang="zh-TW" b="0" dirty="0">
+                <a:solidFill>
+                  <a:srgbClr val="0000FF"/>
+                </a:solidFill>
+                <a:effectLst/>
+                <a:latin typeface="Consolas" panose="020B0609020204030204" pitchFamily="49" charset="0"/>
+              </a:rPr>
+              <a:t>double</a:t>
+            </a:r>
+            <a:r>
+              <a:rPr lang="en-US" altLang="zh-TW" b="0" dirty="0">
+                <a:solidFill>
+                  <a:srgbClr val="000000"/>
+                </a:solidFill>
+                <a:effectLst/>
+                <a:latin typeface="Consolas" panose="020B0609020204030204" pitchFamily="49" charset="0"/>
+              </a:rPr>
+              <a:t>&gt;(</a:t>
+            </a:r>
+            <a:r>
+              <a:rPr lang="en-US" altLang="zh-TW" b="0" dirty="0">
+                <a:solidFill>
+                  <a:srgbClr val="098658"/>
+                </a:solidFill>
+                <a:effectLst/>
+                <a:latin typeface="Consolas" panose="020B0609020204030204" pitchFamily="49" charset="0"/>
+              </a:rPr>
+              <a:t>1</a:t>
+            </a:r>
+            <a:r>
+              <a:rPr lang="en-US" altLang="zh-TW" b="0" dirty="0">
+                <a:solidFill>
+                  <a:srgbClr val="000000"/>
+                </a:solidFill>
+                <a:effectLst/>
+                <a:latin typeface="Consolas" panose="020B0609020204030204" pitchFamily="49" charset="0"/>
+              </a:rPr>
+              <a:t>)/</a:t>
+            </a:r>
+            <a:r>
+              <a:rPr lang="en-US" altLang="zh-TW" b="0" dirty="0">
+                <a:solidFill>
+                  <a:srgbClr val="098658"/>
+                </a:solidFill>
+                <a:effectLst/>
+                <a:latin typeface="Consolas" panose="020B0609020204030204" pitchFamily="49" charset="0"/>
+              </a:rPr>
+              <a:t>3</a:t>
+            </a:r>
+            <a:endParaRPr lang="en-US" altLang="zh-TW" b="0" dirty="0">
+              <a:solidFill>
+                <a:srgbClr val="000000"/>
+              </a:solidFill>
+              <a:effectLst/>
+              <a:latin typeface="Consolas" panose="020B0609020204030204" pitchFamily="49" charset="0"/>
+            </a:endParaRPr>
           </a:p>
         </p:txBody>
       </p:sp>
